--- a/reference_material/slides/006_classes_obj_1.pptx
+++ b/reference_material/slides/006_classes_obj_1.pptx
@@ -8,15 +8,19 @@
     <p:sldId id="256" r:id="rId2"/>
     <p:sldId id="259" r:id="rId3"/>
     <p:sldId id="260" r:id="rId4"/>
-    <p:sldId id="261" r:id="rId5"/>
-    <p:sldId id="262" r:id="rId6"/>
-    <p:sldId id="263" r:id="rId7"/>
-    <p:sldId id="264" r:id="rId8"/>
-    <p:sldId id="265" r:id="rId9"/>
-    <p:sldId id="266" r:id="rId10"/>
-    <p:sldId id="267" r:id="rId11"/>
-    <p:sldId id="268" r:id="rId12"/>
-    <p:sldId id="269" r:id="rId13"/>
+    <p:sldId id="270" r:id="rId5"/>
+    <p:sldId id="261" r:id="rId6"/>
+    <p:sldId id="271" r:id="rId7"/>
+    <p:sldId id="262" r:id="rId8"/>
+    <p:sldId id="263" r:id="rId9"/>
+    <p:sldId id="273" r:id="rId10"/>
+    <p:sldId id="264" r:id="rId11"/>
+    <p:sldId id="265" r:id="rId12"/>
+    <p:sldId id="266" r:id="rId13"/>
+    <p:sldId id="267" r:id="rId14"/>
+    <p:sldId id="268" r:id="rId15"/>
+    <p:sldId id="272" r:id="rId16"/>
+    <p:sldId id="269" r:id="rId17"/>
   </p:sldIdLst>
   <p:sldSz cx="12192000" cy="6858000"/>
   <p:notesSz cx="6858000" cy="9144000"/>
@@ -115,6 +119,11 @@
       </a:defRPr>
     </a:lvl9pPr>
   </p:defaultTextStyle>
+  <p:extLst>
+    <p:ext uri="{EFAFB233-063F-42B5-8137-9DF3F51BA10A}">
+      <p15:sldGuideLst xmlns:p15="http://schemas.microsoft.com/office/powerpoint/2012/main"/>
+    </p:ext>
+  </p:extLst>
 </p:presentation>
 </file>
 
@@ -257,7 +266,7 @@
           <a:p>
             <a:fld id="{F17E91DF-948D-AA4D-889F-469ABF87BD3D}" type="datetimeFigureOut">
               <a:rPr lang="en-US" smtClean="0"/>
-              <a:t>9/14/23</a:t>
+              <a:t>9/17/24</a:t>
             </a:fld>
             <a:endParaRPr lang="en-US"/>
           </a:p>
@@ -468,7 +477,7 @@
           <a:p>
             <a:fld id="{F17E91DF-948D-AA4D-889F-469ABF87BD3D}" type="datetimeFigureOut">
               <a:rPr lang="en-US" smtClean="0"/>
-              <a:t>9/14/23</a:t>
+              <a:t>9/17/24</a:t>
             </a:fld>
             <a:endParaRPr lang="en-US"/>
           </a:p>
@@ -683,7 +692,7 @@
           <a:p>
             <a:fld id="{F17E91DF-948D-AA4D-889F-469ABF87BD3D}" type="datetimeFigureOut">
               <a:rPr lang="en-US" smtClean="0"/>
-              <a:t>9/14/23</a:t>
+              <a:t>9/17/24</a:t>
             </a:fld>
             <a:endParaRPr lang="en-US"/>
           </a:p>
@@ -884,7 +893,7 @@
           <a:p>
             <a:fld id="{F17E91DF-948D-AA4D-889F-469ABF87BD3D}" type="datetimeFigureOut">
               <a:rPr lang="en-US" smtClean="0"/>
-              <a:t>9/14/23</a:t>
+              <a:t>9/17/24</a:t>
             </a:fld>
             <a:endParaRPr lang="en-US"/>
           </a:p>
@@ -1163,7 +1172,7 @@
           <a:p>
             <a:fld id="{F17E91DF-948D-AA4D-889F-469ABF87BD3D}" type="datetimeFigureOut">
               <a:rPr lang="en-US" smtClean="0"/>
-              <a:t>9/14/23</a:t>
+              <a:t>9/17/24</a:t>
             </a:fld>
             <a:endParaRPr lang="en-US"/>
           </a:p>
@@ -1431,7 +1440,7 @@
           <a:p>
             <a:fld id="{F17E91DF-948D-AA4D-889F-469ABF87BD3D}" type="datetimeFigureOut">
               <a:rPr lang="en-US" smtClean="0"/>
-              <a:t>9/14/23</a:t>
+              <a:t>9/17/24</a:t>
             </a:fld>
             <a:endParaRPr lang="en-US"/>
           </a:p>
@@ -1847,7 +1856,7 @@
           <a:p>
             <a:fld id="{F17E91DF-948D-AA4D-889F-469ABF87BD3D}" type="datetimeFigureOut">
               <a:rPr lang="en-US" smtClean="0"/>
-              <a:t>9/14/23</a:t>
+              <a:t>9/17/24</a:t>
             </a:fld>
             <a:endParaRPr lang="en-US"/>
           </a:p>
@@ -1996,7 +2005,7 @@
           <a:p>
             <a:fld id="{F17E91DF-948D-AA4D-889F-469ABF87BD3D}" type="datetimeFigureOut">
               <a:rPr lang="en-US" smtClean="0"/>
-              <a:t>9/14/23</a:t>
+              <a:t>9/17/24</a:t>
             </a:fld>
             <a:endParaRPr lang="en-US"/>
           </a:p>
@@ -2122,7 +2131,7 @@
           <a:p>
             <a:fld id="{F17E91DF-948D-AA4D-889F-469ABF87BD3D}" type="datetimeFigureOut">
               <a:rPr lang="en-US" smtClean="0"/>
-              <a:t>9/14/23</a:t>
+              <a:t>9/17/24</a:t>
             </a:fld>
             <a:endParaRPr lang="en-US"/>
           </a:p>
@@ -2373,7 +2382,7 @@
           <a:p>
             <a:fld id="{F17E91DF-948D-AA4D-889F-469ABF87BD3D}" type="datetimeFigureOut">
               <a:rPr lang="en-US" smtClean="0"/>
-              <a:t>9/14/23</a:t>
+              <a:t>9/17/24</a:t>
             </a:fld>
             <a:endParaRPr lang="en-US"/>
           </a:p>
@@ -2818,7 +2827,7 @@
           <a:p>
             <a:fld id="{F17E91DF-948D-AA4D-889F-469ABF87BD3D}" type="datetimeFigureOut">
               <a:rPr lang="en-US" smtClean="0"/>
-              <a:t>9/14/23</a:t>
+              <a:t>9/17/24</a:t>
             </a:fld>
             <a:endParaRPr lang="en-US"/>
           </a:p>
@@ -3145,7 +3154,7 @@
           <a:p>
             <a:fld id="{F17E91DF-948D-AA4D-889F-469ABF87BD3D}" type="datetimeFigureOut">
               <a:rPr lang="en-US" smtClean="0"/>
-              <a:t>9/14/23</a:t>
+              <a:t>9/17/24</a:t>
             </a:fld>
             <a:endParaRPr lang="en-US"/>
           </a:p>
@@ -3700,6 +3709,30 @@
 <file path=ppt/slides/slide10.xml><?xml version="1.0" encoding="utf-8"?>
 <p:sld xmlns:a="http://schemas.openxmlformats.org/drawingml/2006/main" xmlns:r="http://schemas.openxmlformats.org/officeDocument/2006/relationships" xmlns:p="http://schemas.openxmlformats.org/presentationml/2006/main">
   <p:cSld>
+    <p:bg>
+      <p:bgPr>
+        <a:gradFill rotWithShape="1">
+          <a:gsLst>
+            <a:gs pos="0">
+              <a:schemeClr val="bg2">
+                <a:tint val="94000"/>
+                <a:satMod val="80000"/>
+                <a:lumMod val="106000"/>
+              </a:schemeClr>
+            </a:gs>
+            <a:gs pos="100000">
+              <a:schemeClr val="bg2">
+                <a:shade val="80000"/>
+              </a:schemeClr>
+            </a:gs>
+          </a:gsLst>
+          <a:path path="circle">
+            <a:fillToRect l="43000" r="43000" b="100000"/>
+          </a:path>
+        </a:gradFill>
+        <a:effectLst/>
+      </p:bgPr>
+    </p:bg>
     <p:spTree>
       <p:nvGrpSpPr>
         <p:cNvPr id="1" name=""/>
@@ -3719,7 +3752,7 @@
           <p:cNvPr id="2" name="Title 1">
             <a:extLst>
               <a:ext uri="{FF2B5EF4-FFF2-40B4-BE49-F238E27FC236}">
-                <a16:creationId xmlns:a16="http://schemas.microsoft.com/office/drawing/2014/main" id="{95CADB0E-C959-4818-BD3A-4E6802E4ACD8}"/>
+                <a16:creationId xmlns:a16="http://schemas.microsoft.com/office/drawing/2014/main" id="{D25358F9-39B1-EE9B-C874-B54790473B90}"/>
               </a:ext>
             </a:extLst>
           </p:cNvPr>
@@ -3730,24 +3763,61 @@
             <p:ph type="title"/>
           </p:nvPr>
         </p:nvSpPr>
-        <p:spPr/>
-        <p:txBody>
-          <a:bodyPr/>
-          <a:lstStyle/>
-          <a:p>
-            <a:r>
-              <a:rPr lang="en-US" dirty="0"/>
-              <a:t>Decorators</a:t>
-            </a:r>
-          </a:p>
-        </p:txBody>
-      </p:sp>
+        <p:spPr>
+          <a:xfrm>
+            <a:off x="1451579" y="804519"/>
+            <a:ext cx="9603275" cy="1049235"/>
+          </a:xfrm>
+        </p:spPr>
+        <p:txBody>
+          <a:bodyPr>
+            <a:normAutofit/>
+          </a:bodyPr>
+          <a:lstStyle/>
+          <a:p>
+            <a:r>
+              <a:rPr lang="en-US" dirty="0"/>
+              <a:t>Self</a:t>
+            </a:r>
+          </a:p>
+        </p:txBody>
+      </p:sp>
+      <p:pic>
+        <p:nvPicPr>
+          <p:cNvPr id="4" name="Picture 3">
+            <a:extLst>
+              <a:ext uri="{FF2B5EF4-FFF2-40B4-BE49-F238E27FC236}">
+                <a16:creationId xmlns:a16="http://schemas.microsoft.com/office/drawing/2014/main" id="{D6A4AF0D-5F7B-4F73-00DE-1AA52BA93F9B}"/>
+              </a:ext>
+            </a:extLst>
+          </p:cNvPr>
+          <p:cNvPicPr>
+            <a:picLocks noChangeAspect="1"/>
+          </p:cNvPicPr>
+          <p:nvPr/>
+        </p:nvPicPr>
+        <p:blipFill>
+          <a:blip r:embed="rId2"/>
+          <a:stretch>
+            <a:fillRect/>
+          </a:stretch>
+        </p:blipFill>
+        <p:spPr>
+          <a:xfrm>
+            <a:off x="0" y="1980083"/>
+            <a:ext cx="7273480" cy="2582085"/>
+          </a:xfrm>
+          <a:prstGeom prst="rect">
+            <a:avLst/>
+          </a:prstGeom>
+        </p:spPr>
+      </p:pic>
       <p:sp>
         <p:nvSpPr>
           <p:cNvPr id="3" name="Content Placeholder 2">
             <a:extLst>
               <a:ext uri="{FF2B5EF4-FFF2-40B4-BE49-F238E27FC236}">
-                <a16:creationId xmlns:a16="http://schemas.microsoft.com/office/drawing/2014/main" id="{B26DA6D6-3FDB-9B3D-6265-54611F1BE669}"/>
+                <a16:creationId xmlns:a16="http://schemas.microsoft.com/office/drawing/2014/main" id="{26C045B5-6B26-B4FD-4379-D50293389313}"/>
               </a:ext>
             </a:extLst>
           </p:cNvPr>
@@ -3758,26 +3828,34 @@
             <p:ph idx="1"/>
           </p:nvPr>
         </p:nvSpPr>
-        <p:spPr/>
-        <p:txBody>
-          <a:bodyPr/>
-          <a:lstStyle/>
-          <a:p>
-            <a:r>
-              <a:rPr lang="en-US" dirty="0"/>
-              <a:t>A decorator is something that wraps a function in another function. </a:t>
-            </a:r>
-          </a:p>
-          <a:p>
-            <a:r>
-              <a:rPr lang="en-US" dirty="0"/>
-              <a:t>We’ll worry about the details more in the future. </a:t>
-            </a:r>
-          </a:p>
-          <a:p>
-            <a:r>
-              <a:rPr lang="en-US" dirty="0"/>
-              <a:t>For now, it just makes a function static. </a:t>
+        <p:spPr>
+          <a:xfrm>
+            <a:off x="7413523" y="1980083"/>
+            <a:ext cx="4654053" cy="4073398"/>
+          </a:xfrm>
+        </p:spPr>
+        <p:txBody>
+          <a:bodyPr>
+            <a:normAutofit/>
+          </a:bodyPr>
+          <a:lstStyle/>
+          <a:p>
+            <a:r>
+              <a:rPr lang="en-US" dirty="0"/>
+              <a:t>The self keyword is used for all the instance variables in a class. </a:t>
+            </a:r>
+          </a:p>
+          <a:p>
+            <a:r>
+              <a:rPr lang="en-US" dirty="0"/>
+              <a:t>Self is also the first parameter for (most of) the methods in a class. </a:t>
+            </a:r>
+          </a:p>
+          <a:p>
+            <a:pPr lvl="1"/>
+            <a:r>
+              <a:rPr lang="en-US" dirty="0"/>
+              <a:t>This parameter directs those functions to act on the object that they are a part of. </a:t>
             </a:r>
           </a:p>
         </p:txBody>
@@ -3785,7 +3863,7 @@
     </p:spTree>
     <p:extLst>
       <p:ext uri="{BB962C8B-B14F-4D97-AF65-F5344CB8AC3E}">
-        <p14:creationId xmlns:p14="http://schemas.microsoft.com/office/powerpoint/2010/main" val="3075888483"/>
+        <p14:creationId xmlns:p14="http://schemas.microsoft.com/office/powerpoint/2010/main" val="2381303483"/>
       </p:ext>
     </p:extLst>
   </p:cSld>
@@ -3796,583 +3874,6 @@
 </file>
 
 <file path=ppt/slides/slide11.xml><?xml version="1.0" encoding="utf-8"?>
-<p:sld xmlns:a="http://schemas.openxmlformats.org/drawingml/2006/main" xmlns:r="http://schemas.openxmlformats.org/officeDocument/2006/relationships" xmlns:p="http://schemas.openxmlformats.org/presentationml/2006/main">
-  <p:cSld>
-    <p:spTree>
-      <p:nvGrpSpPr>
-        <p:cNvPr id="1" name=""/>
-        <p:cNvGrpSpPr/>
-        <p:nvPr/>
-      </p:nvGrpSpPr>
-      <p:grpSpPr>
-        <a:xfrm>
-          <a:off x="0" y="0"/>
-          <a:ext cx="0" cy="0"/>
-          <a:chOff x="0" y="0"/>
-          <a:chExt cx="0" cy="0"/>
-        </a:xfrm>
-      </p:grpSpPr>
-      <p:sp>
-        <p:nvSpPr>
-          <p:cNvPr id="2" name="Title 1">
-            <a:extLst>
-              <a:ext uri="{FF2B5EF4-FFF2-40B4-BE49-F238E27FC236}">
-                <a16:creationId xmlns:a16="http://schemas.microsoft.com/office/drawing/2014/main" id="{C76E1F4B-98B6-B776-65F9-2577F06D552E}"/>
-              </a:ext>
-            </a:extLst>
-          </p:cNvPr>
-          <p:cNvSpPr>
-            <a:spLocks noGrp="1"/>
-          </p:cNvSpPr>
-          <p:nvPr>
-            <p:ph type="title"/>
-          </p:nvPr>
-        </p:nvSpPr>
-        <p:spPr/>
-        <p:txBody>
-          <a:bodyPr/>
-          <a:lstStyle/>
-          <a:p>
-            <a:r>
-              <a:rPr lang="en-US" dirty="0"/>
-              <a:t>Inheritance and Class Hierarchy</a:t>
-            </a:r>
-          </a:p>
-        </p:txBody>
-      </p:sp>
-      <p:sp>
-        <p:nvSpPr>
-          <p:cNvPr id="3" name="Content Placeholder 2">
-            <a:extLst>
-              <a:ext uri="{FF2B5EF4-FFF2-40B4-BE49-F238E27FC236}">
-                <a16:creationId xmlns:a16="http://schemas.microsoft.com/office/drawing/2014/main" id="{D31D4D44-1664-84A3-288A-63882D311C2F}"/>
-              </a:ext>
-            </a:extLst>
-          </p:cNvPr>
-          <p:cNvSpPr>
-            <a:spLocks noGrp="1"/>
-          </p:cNvSpPr>
-          <p:nvPr>
-            <p:ph idx="1"/>
-          </p:nvPr>
-        </p:nvSpPr>
-        <p:spPr>
-          <a:xfrm>
-            <a:off x="1451579" y="1853754"/>
-            <a:ext cx="9603275" cy="4308507"/>
-          </a:xfrm>
-        </p:spPr>
-        <p:txBody>
-          <a:bodyPr/>
-          <a:lstStyle/>
-          <a:p>
-            <a:r>
-              <a:rPr lang="en-US" dirty="0"/>
-              <a:t>One thing we’ll set aside for later is the idea of inheritance. </a:t>
-            </a:r>
-          </a:p>
-          <a:p>
-            <a:r>
-              <a:rPr lang="en-US" dirty="0"/>
-              <a:t>Classes can exist in a hierarchy – e.g. a dog and a cat are both animals. </a:t>
-            </a:r>
-          </a:p>
-          <a:p>
-            <a:r>
-              <a:rPr lang="en-US" dirty="0"/>
-              <a:t>This allows us to more easily model the world, makes maintenance easier, and allows for more modular code. E.g.:</a:t>
-            </a:r>
-          </a:p>
-          <a:p>
-            <a:pPr lvl="1"/>
-            <a:r>
-              <a:rPr lang="en-US" dirty="0"/>
-              <a:t>In a college, we may have an “employee” class with attributes name, wage, phone, </a:t>
-            </a:r>
-            <a:r>
-              <a:rPr lang="en-US" dirty="0" err="1"/>
-              <a:t>etc</a:t>
-            </a:r>
-            <a:r>
-              <a:rPr lang="en-US" dirty="0"/>
-              <a:t>…</a:t>
-            </a:r>
-          </a:p>
-          <a:p>
-            <a:pPr lvl="1"/>
-            <a:r>
-              <a:rPr lang="en-US" dirty="0"/>
-              <a:t>We can create “instructor” and “admin” classes which are employees and inherit all of the attributes and methods of an employee. I.e. each instructor is a sub-class of employee. </a:t>
-            </a:r>
-          </a:p>
-          <a:p>
-            <a:pPr lvl="1"/>
-            <a:r>
-              <a:rPr lang="en-US" dirty="0"/>
-              <a:t>The sub-classes add only the specific bits – i.e. instructor schedule. </a:t>
-            </a:r>
-          </a:p>
-          <a:p>
-            <a:r>
-              <a:rPr lang="en-US" dirty="0"/>
-              <a:t>This makes it easy to ”extend” things, we inherit and add the custom bits. </a:t>
-            </a:r>
-          </a:p>
-          <a:p>
-            <a:r>
-              <a:rPr lang="en-US" dirty="0"/>
-              <a:t>No need to rewrite a “change name” function for instructors, the employee one applies. </a:t>
-            </a:r>
-          </a:p>
-        </p:txBody>
-      </p:sp>
-    </p:spTree>
-    <p:extLst>
-      <p:ext uri="{BB962C8B-B14F-4D97-AF65-F5344CB8AC3E}">
-        <p14:creationId xmlns:p14="http://schemas.microsoft.com/office/powerpoint/2010/main" val="1158317254"/>
-      </p:ext>
-    </p:extLst>
-  </p:cSld>
-  <p:clrMapOvr>
-    <a:masterClrMapping/>
-  </p:clrMapOvr>
-</p:sld>
-</file>
-
-<file path=ppt/slides/slide12.xml><?xml version="1.0" encoding="utf-8"?>
-<p:sld xmlns:a="http://schemas.openxmlformats.org/drawingml/2006/main" xmlns:r="http://schemas.openxmlformats.org/officeDocument/2006/relationships" xmlns:p="http://schemas.openxmlformats.org/presentationml/2006/main">
-  <p:cSld>
-    <p:spTree>
-      <p:nvGrpSpPr>
-        <p:cNvPr id="1" name=""/>
-        <p:cNvGrpSpPr/>
-        <p:nvPr/>
-      </p:nvGrpSpPr>
-      <p:grpSpPr>
-        <a:xfrm>
-          <a:off x="0" y="0"/>
-          <a:ext cx="0" cy="0"/>
-          <a:chOff x="0" y="0"/>
-          <a:chExt cx="0" cy="0"/>
-        </a:xfrm>
-      </p:grpSpPr>
-      <p:sp>
-        <p:nvSpPr>
-          <p:cNvPr id="2" name="Title 1">
-            <a:extLst>
-              <a:ext uri="{FF2B5EF4-FFF2-40B4-BE49-F238E27FC236}">
-                <a16:creationId xmlns:a16="http://schemas.microsoft.com/office/drawing/2014/main" id="{30C69628-B80D-7819-2FBD-C9069D389AD5}"/>
-              </a:ext>
-            </a:extLst>
-          </p:cNvPr>
-          <p:cNvSpPr>
-            <a:spLocks noGrp="1"/>
-          </p:cNvSpPr>
-          <p:nvPr>
-            <p:ph type="title"/>
-          </p:nvPr>
-        </p:nvSpPr>
-        <p:spPr/>
-        <p:txBody>
-          <a:bodyPr/>
-          <a:lstStyle/>
-          <a:p>
-            <a:r>
-              <a:rPr lang="en-US" dirty="0"/>
-              <a:t>Basic Classes and Objects</a:t>
-            </a:r>
-          </a:p>
-        </p:txBody>
-      </p:sp>
-      <p:sp>
-        <p:nvSpPr>
-          <p:cNvPr id="3" name="Content Placeholder 2">
-            <a:extLst>
-              <a:ext uri="{FF2B5EF4-FFF2-40B4-BE49-F238E27FC236}">
-                <a16:creationId xmlns:a16="http://schemas.microsoft.com/office/drawing/2014/main" id="{0F1AEFBB-9C0A-B745-7BD3-F39380BE3F6C}"/>
-              </a:ext>
-            </a:extLst>
-          </p:cNvPr>
-          <p:cNvSpPr>
-            <a:spLocks noGrp="1"/>
-          </p:cNvSpPr>
-          <p:nvPr>
-            <p:ph idx="1"/>
-          </p:nvPr>
-        </p:nvSpPr>
-        <p:spPr>
-          <a:xfrm>
-            <a:off x="469127" y="1853754"/>
-            <a:ext cx="10996654" cy="4199727"/>
-          </a:xfrm>
-        </p:spPr>
-        <p:txBody>
-          <a:bodyPr/>
-          <a:lstStyle/>
-          <a:p>
-            <a:r>
-              <a:rPr lang="en-US" dirty="0"/>
-              <a:t>Creating classes allows us to make code that is easier to use. </a:t>
-            </a:r>
-          </a:p>
-          <a:p>
-            <a:r>
-              <a:rPr lang="en-US" dirty="0"/>
-              <a:t>If we have anything we are keeping track of that has 2 or more attributes or can “do something”, it may be better as a class:</a:t>
-            </a:r>
-          </a:p>
-          <a:p>
-            <a:r>
-              <a:rPr lang="en-US" dirty="0"/>
-              <a:t>E.g. Suppose we are keeping track of loan balances for customers at our loan shark business</a:t>
-            </a:r>
-          </a:p>
-          <a:p>
-            <a:pPr lvl="1"/>
-            <a:r>
-              <a:rPr lang="en-US" dirty="0"/>
-              <a:t>We could keep a list of (name, amount, kneecaps remaining) tuples, and write code to update this. </a:t>
-            </a:r>
-          </a:p>
-          <a:p>
-            <a:pPr lvl="2"/>
-            <a:r>
-              <a:rPr lang="en-US" dirty="0"/>
-              <a:t>E.g. grab the correct person, get the balance, lower it with a payment. </a:t>
-            </a:r>
-          </a:p>
-          <a:p>
-            <a:pPr lvl="1"/>
-            <a:r>
-              <a:rPr lang="en-US" dirty="0"/>
-              <a:t>Or we could write a “deadbeat” class that has attributes for the info, and methods to “</a:t>
-            </a:r>
-            <a:r>
-              <a:rPr lang="en-US" dirty="0" err="1"/>
-              <a:t>add_payment</a:t>
-            </a:r>
-            <a:r>
-              <a:rPr lang="en-US" dirty="0"/>
-              <a:t>()”. </a:t>
-            </a:r>
-          </a:p>
-        </p:txBody>
-      </p:sp>
-    </p:spTree>
-    <p:extLst>
-      <p:ext uri="{BB962C8B-B14F-4D97-AF65-F5344CB8AC3E}">
-        <p14:creationId xmlns:p14="http://schemas.microsoft.com/office/powerpoint/2010/main" val="318176312"/>
-      </p:ext>
-    </p:extLst>
-  </p:cSld>
-  <p:clrMapOvr>
-    <a:masterClrMapping/>
-  </p:clrMapOvr>
-</p:sld>
-</file>
-
-<file path=ppt/slides/slide2.xml><?xml version="1.0" encoding="utf-8"?>
-<p:sld xmlns:a="http://schemas.openxmlformats.org/drawingml/2006/main" xmlns:r="http://schemas.openxmlformats.org/officeDocument/2006/relationships" xmlns:p="http://schemas.openxmlformats.org/presentationml/2006/main">
-  <p:cSld>
-    <p:spTree>
-      <p:nvGrpSpPr>
-        <p:cNvPr id="1" name=""/>
-        <p:cNvGrpSpPr/>
-        <p:nvPr/>
-      </p:nvGrpSpPr>
-      <p:grpSpPr>
-        <a:xfrm>
-          <a:off x="0" y="0"/>
-          <a:ext cx="0" cy="0"/>
-          <a:chOff x="0" y="0"/>
-          <a:chExt cx="0" cy="0"/>
-        </a:xfrm>
-      </p:grpSpPr>
-      <p:sp>
-        <p:nvSpPr>
-          <p:cNvPr id="2" name="Title 1">
-            <a:extLst>
-              <a:ext uri="{FF2B5EF4-FFF2-40B4-BE49-F238E27FC236}">
-                <a16:creationId xmlns:a16="http://schemas.microsoft.com/office/drawing/2014/main" id="{1637EF71-09B8-F650-7ADD-F7DDAB4DF8A2}"/>
-              </a:ext>
-            </a:extLst>
-          </p:cNvPr>
-          <p:cNvSpPr>
-            <a:spLocks noGrp="1"/>
-          </p:cNvSpPr>
-          <p:nvPr>
-            <p:ph type="title"/>
-          </p:nvPr>
-        </p:nvSpPr>
-        <p:spPr/>
-        <p:txBody>
-          <a:bodyPr/>
-          <a:lstStyle/>
-          <a:p>
-            <a:r>
-              <a:rPr lang="en-US" dirty="0"/>
-              <a:t>Objects and Variables</a:t>
-            </a:r>
-          </a:p>
-        </p:txBody>
-      </p:sp>
-      <p:sp>
-        <p:nvSpPr>
-          <p:cNvPr id="3" name="Content Placeholder 2">
-            <a:extLst>
-              <a:ext uri="{FF2B5EF4-FFF2-40B4-BE49-F238E27FC236}">
-                <a16:creationId xmlns:a16="http://schemas.microsoft.com/office/drawing/2014/main" id="{C0D32997-73F8-9A96-13BB-E9CEC9A66376}"/>
-              </a:ext>
-            </a:extLst>
-          </p:cNvPr>
-          <p:cNvSpPr>
-            <a:spLocks noGrp="1"/>
-          </p:cNvSpPr>
-          <p:nvPr>
-            <p:ph idx="1"/>
-          </p:nvPr>
-        </p:nvSpPr>
-        <p:spPr>
-          <a:xfrm>
-            <a:off x="1451579" y="2015732"/>
-            <a:ext cx="9603275" cy="3917929"/>
-          </a:xfrm>
-        </p:spPr>
-        <p:txBody>
-          <a:bodyPr/>
-          <a:lstStyle/>
-          <a:p>
-            <a:r>
-              <a:rPr lang="en-US" dirty="0"/>
-              <a:t>We started with a look at variables – the things we create in programs that hold all our useful data. </a:t>
-            </a:r>
-          </a:p>
-          <a:p>
-            <a:r>
-              <a:rPr lang="en-US" dirty="0"/>
-              <a:t>Each variable had two parts:</a:t>
-            </a:r>
-          </a:p>
-          <a:p>
-            <a:pPr lvl="1"/>
-            <a:r>
-              <a:rPr lang="en-US" dirty="0"/>
-              <a:t>Variable name – how we refer to it in code. </a:t>
-            </a:r>
-          </a:p>
-          <a:p>
-            <a:pPr lvl="1"/>
-            <a:r>
-              <a:rPr lang="en-US" dirty="0"/>
-              <a:t>Object – each variable “points” to some object that exist in the memory of our program. </a:t>
-            </a:r>
-          </a:p>
-          <a:p>
-            <a:r>
-              <a:rPr lang="en-US" dirty="0"/>
-              <a:t>These objects have been numbers, strings, lists, </a:t>
-            </a:r>
-            <a:r>
-              <a:rPr lang="en-US" dirty="0" err="1"/>
-              <a:t>etc</a:t>
-            </a:r>
-            <a:r>
-              <a:rPr lang="en-US" dirty="0"/>
-              <a:t>…</a:t>
-            </a:r>
-          </a:p>
-          <a:p>
-            <a:pPr lvl="1"/>
-            <a:r>
-              <a:rPr lang="en-US" dirty="0"/>
-              <a:t>Each object has “stuff” inside of it – attributes and methods (functions). </a:t>
-            </a:r>
-          </a:p>
-          <a:p>
-            <a:r>
-              <a:rPr lang="en-US" dirty="0"/>
-              <a:t>We can use the variables window in VS Code to see all the variables in our program, and the objects they point to. </a:t>
-            </a:r>
-          </a:p>
-        </p:txBody>
-      </p:sp>
-    </p:spTree>
-    <p:extLst>
-      <p:ext uri="{BB962C8B-B14F-4D97-AF65-F5344CB8AC3E}">
-        <p14:creationId xmlns:p14="http://schemas.microsoft.com/office/powerpoint/2010/main" val="727065515"/>
-      </p:ext>
-    </p:extLst>
-  </p:cSld>
-  <p:clrMapOvr>
-    <a:masterClrMapping/>
-  </p:clrMapOvr>
-</p:sld>
-</file>
-
-<file path=ppt/slides/slide3.xml><?xml version="1.0" encoding="utf-8"?>
-<p:sld xmlns:a="http://schemas.openxmlformats.org/drawingml/2006/main" xmlns:r="http://schemas.openxmlformats.org/officeDocument/2006/relationships" xmlns:p="http://schemas.openxmlformats.org/presentationml/2006/main">
-  <p:cSld>
-    <p:spTree>
-      <p:nvGrpSpPr>
-        <p:cNvPr id="1" name=""/>
-        <p:cNvGrpSpPr/>
-        <p:nvPr/>
-      </p:nvGrpSpPr>
-      <p:grpSpPr>
-        <a:xfrm>
-          <a:off x="0" y="0"/>
-          <a:ext cx="0" cy="0"/>
-          <a:chOff x="0" y="0"/>
-          <a:chExt cx="0" cy="0"/>
-        </a:xfrm>
-      </p:grpSpPr>
-      <p:sp>
-        <p:nvSpPr>
-          <p:cNvPr id="2" name="Title 1">
-            <a:extLst>
-              <a:ext uri="{FF2B5EF4-FFF2-40B4-BE49-F238E27FC236}">
-                <a16:creationId xmlns:a16="http://schemas.microsoft.com/office/drawing/2014/main" id="{97A5AAC3-3D57-6A4B-C52B-D539AED39C7C}"/>
-              </a:ext>
-            </a:extLst>
-          </p:cNvPr>
-          <p:cNvSpPr>
-            <a:spLocks noGrp="1"/>
-          </p:cNvSpPr>
-          <p:nvPr>
-            <p:ph type="title"/>
-          </p:nvPr>
-        </p:nvSpPr>
-        <p:spPr/>
-        <p:txBody>
-          <a:bodyPr/>
-          <a:lstStyle/>
-          <a:p>
-            <a:r>
-              <a:rPr lang="en-US" dirty="0"/>
-              <a:t>Objects</a:t>
-            </a:r>
-          </a:p>
-        </p:txBody>
-      </p:sp>
-      <p:sp>
-        <p:nvSpPr>
-          <p:cNvPr id="3" name="Content Placeholder 2">
-            <a:extLst>
-              <a:ext uri="{FF2B5EF4-FFF2-40B4-BE49-F238E27FC236}">
-                <a16:creationId xmlns:a16="http://schemas.microsoft.com/office/drawing/2014/main" id="{7FB896B8-36A7-E9C8-78B8-55B1CF985351}"/>
-              </a:ext>
-            </a:extLst>
-          </p:cNvPr>
-          <p:cNvSpPr>
-            <a:spLocks noGrp="1"/>
-          </p:cNvSpPr>
-          <p:nvPr>
-            <p:ph idx="1"/>
-          </p:nvPr>
-        </p:nvSpPr>
-        <p:spPr>
-          <a:xfrm>
-            <a:off x="1451579" y="2015732"/>
-            <a:ext cx="9603275" cy="4037749"/>
-          </a:xfrm>
-        </p:spPr>
-        <p:txBody>
-          <a:bodyPr>
-            <a:normAutofit lnSpcReduction="10000"/>
-          </a:bodyPr>
-          <a:lstStyle/>
-          <a:p>
-            <a:r>
-              <a:rPr lang="en-US" dirty="0"/>
-              <a:t>In Python, pretty much everything is an object. </a:t>
-            </a:r>
-          </a:p>
-          <a:p>
-            <a:r>
-              <a:rPr lang="en-US" dirty="0"/>
-              <a:t>Objects have attributes, or variables that hold their info. </a:t>
-            </a:r>
-          </a:p>
-          <a:p>
-            <a:pPr lvl="1"/>
-            <a:r>
-              <a:rPr lang="en-US" dirty="0"/>
-              <a:t>E.g. a ”book” object on Amazon’s site has a title, author, </a:t>
-            </a:r>
-            <a:r>
-              <a:rPr lang="en-US" dirty="0" err="1"/>
-              <a:t>etc</a:t>
-            </a:r>
-            <a:r>
-              <a:rPr lang="en-US" dirty="0"/>
-              <a:t>…</a:t>
-            </a:r>
-          </a:p>
-          <a:p>
-            <a:r>
-              <a:rPr lang="en-US" dirty="0"/>
-              <a:t>Objects also have methods, or functions that they can execute. </a:t>
-            </a:r>
-          </a:p>
-          <a:p>
-            <a:pPr lvl="1"/>
-            <a:r>
-              <a:rPr lang="en-US" dirty="0"/>
-              <a:t>E.g. a </a:t>
-            </a:r>
-            <a:r>
-              <a:rPr lang="en-US" dirty="0" err="1"/>
-              <a:t>dataframe</a:t>
-            </a:r>
-            <a:r>
-              <a:rPr lang="en-US" dirty="0"/>
-              <a:t> has a “head()” function that returns the top X rows of data. </a:t>
-            </a:r>
-          </a:p>
-          <a:p>
-            <a:r>
-              <a:rPr lang="en-US" dirty="0"/>
-              <a:t>Recall – each object is an instance, or one specific example, of some “class”. </a:t>
-            </a:r>
-          </a:p>
-          <a:p>
-            <a:pPr lvl="1"/>
-            <a:r>
-              <a:rPr lang="en-US" dirty="0"/>
-              <a:t>E.g. There is a generic class of </a:t>
-            </a:r>
-            <a:r>
-              <a:rPr lang="en-US" dirty="0" err="1"/>
-              <a:t>dataframe</a:t>
-            </a:r>
-            <a:r>
-              <a:rPr lang="en-US" dirty="0"/>
-              <a:t> that defines it and each one we make is a new creation of that “model” of object. </a:t>
-            </a:r>
-          </a:p>
-          <a:p>
-            <a:pPr lvl="1"/>
-            <a:r>
-              <a:rPr lang="en-US" dirty="0"/>
-              <a:t>E.g. A “Ford F-150” is a class. It has attributes* (engine, paint color) and methods (start the car, turn). If you buy one, yours is one instance, or example of an F-150. Yours has its own values. </a:t>
-            </a:r>
-          </a:p>
-        </p:txBody>
-      </p:sp>
-    </p:spTree>
-    <p:extLst>
-      <p:ext uri="{BB962C8B-B14F-4D97-AF65-F5344CB8AC3E}">
-        <p14:creationId xmlns:p14="http://schemas.microsoft.com/office/powerpoint/2010/main" val="1841547595"/>
-      </p:ext>
-    </p:extLst>
-  </p:cSld>
-  <p:clrMapOvr>
-    <a:masterClrMapping/>
-  </p:clrMapOvr>
-</p:sld>
-</file>
-
-<file path=ppt/slides/slide4.xml><?xml version="1.0" encoding="utf-8"?>
 <p:sld xmlns:a="http://schemas.openxmlformats.org/drawingml/2006/main" xmlns:r="http://schemas.openxmlformats.org/officeDocument/2006/relationships" xmlns:p="http://schemas.openxmlformats.org/presentationml/2006/main">
   <p:cSld>
     <p:bg>
@@ -4418,7 +3919,7 @@
           <p:cNvPr id="2" name="Title 1">
             <a:extLst>
               <a:ext uri="{FF2B5EF4-FFF2-40B4-BE49-F238E27FC236}">
-                <a16:creationId xmlns:a16="http://schemas.microsoft.com/office/drawing/2014/main" id="{E7997809-B940-472F-9FC2-8A469A5ABC10}"/>
+                <a16:creationId xmlns:a16="http://schemas.microsoft.com/office/drawing/2014/main" id="{1175AD8E-FCCD-2F43-FAD0-8C112C0EF997}"/>
               </a:ext>
             </a:extLst>
           </p:cNvPr>
@@ -4443,7 +3944,7 @@
           <a:p>
             <a:r>
               <a:rPr lang="en-US" dirty="0"/>
-              <a:t>Classes and Objects</a:t>
+              <a:t>Class/Static Variables</a:t>
             </a:r>
           </a:p>
         </p:txBody>
@@ -4453,7 +3954,7 @@
           <p:cNvPr id="3" name="Content Placeholder 2">
             <a:extLst>
               <a:ext uri="{FF2B5EF4-FFF2-40B4-BE49-F238E27FC236}">
-                <a16:creationId xmlns:a16="http://schemas.microsoft.com/office/drawing/2014/main" id="{F3EFCAE8-B959-2F99-2DCF-E9028AE1CB4B}"/>
+                <a16:creationId xmlns:a16="http://schemas.microsoft.com/office/drawing/2014/main" id="{6E709BD3-ACEE-B8DC-5117-941D937D5475}"/>
               </a:ext>
             </a:extLst>
           </p:cNvPr>
@@ -4466,8 +3967,8 @@
         </p:nvSpPr>
         <p:spPr>
           <a:xfrm>
-            <a:off x="222637" y="1853754"/>
-            <a:ext cx="5503668" cy="4199727"/>
+            <a:off x="1" y="1853754"/>
+            <a:ext cx="5295218" cy="4199727"/>
           </a:xfrm>
         </p:spPr>
         <p:txBody>
@@ -4476,88 +3977,126 @@
           </a:bodyPr>
           <a:lstStyle/>
           <a:p>
-            <a:r>
-              <a:rPr lang="en-US" dirty="0"/>
-              <a:t>Classes define what an object is. </a:t>
-            </a:r>
-          </a:p>
-          <a:p>
-            <a:pPr lvl="1"/>
-            <a:r>
-              <a:rPr lang="en-US" dirty="0"/>
-              <a:t>E.g.  We can create a class of “car”, then declare many variables that point to instances of cars. </a:t>
-            </a:r>
-          </a:p>
-          <a:p>
-            <a:r>
-              <a:rPr lang="en-US" dirty="0"/>
-              <a:t>Each instance of a class has its own attributes. </a:t>
-            </a:r>
-          </a:p>
-          <a:p>
-            <a:r>
-              <a:rPr lang="en-US" dirty="0"/>
-              <a:t>We write the class when we define what an object is. We create instances when we use it. </a:t>
-            </a:r>
-          </a:p>
-          <a:p>
-            <a:r>
-              <a:rPr lang="en-US" dirty="0"/>
-              <a:t>The class is effectively a template for that type of object. </a:t>
+            <a:pPr>
+              <a:lnSpc>
+                <a:spcPct val="110000"/>
+              </a:lnSpc>
+            </a:pPr>
+            <a:r>
+              <a:rPr lang="en-US" sz="1700" dirty="0"/>
+              <a:t>Every instance variable is unique to each instance. </a:t>
+            </a:r>
+          </a:p>
+          <a:p>
+            <a:pPr>
+              <a:lnSpc>
+                <a:spcPct val="110000"/>
+              </a:lnSpc>
+            </a:pPr>
+            <a:r>
+              <a:rPr lang="en-US" sz="1700" dirty="0"/>
+              <a:t>Class (static) variables are variables that are universal for a class. </a:t>
+            </a:r>
+          </a:p>
+          <a:p>
+            <a:pPr>
+              <a:lnSpc>
+                <a:spcPct val="110000"/>
+              </a:lnSpc>
+            </a:pPr>
+            <a:r>
+              <a:rPr lang="en-US" sz="1700" dirty="0"/>
+              <a:t>Commonly used for constants that apply everywhere and rarely change. </a:t>
+            </a:r>
+          </a:p>
+          <a:p>
+            <a:pPr lvl="1">
+              <a:lnSpc>
+                <a:spcPct val="110000"/>
+              </a:lnSpc>
+            </a:pPr>
+            <a:r>
+              <a:rPr lang="en-US" sz="1700" dirty="0"/>
+              <a:t>E.g. a school registration system could have a class size limit in the “</a:t>
+            </a:r>
+            <a:r>
+              <a:rPr lang="en-US" sz="1700" dirty="0" err="1"/>
+              <a:t>class_offering</a:t>
+            </a:r>
+            <a:r>
+              <a:rPr lang="en-US" sz="1700" dirty="0"/>
+              <a:t>” class. </a:t>
+            </a:r>
+          </a:p>
+          <a:p>
+            <a:pPr>
+              <a:lnSpc>
+                <a:spcPct val="110000"/>
+              </a:lnSpc>
+            </a:pPr>
+            <a:r>
+              <a:rPr lang="en-US" sz="1700" dirty="0"/>
+              <a:t>Declared inside a class, but outside of any function. </a:t>
+            </a:r>
+          </a:p>
+          <a:p>
+            <a:pPr>
+              <a:lnSpc>
+                <a:spcPct val="110000"/>
+              </a:lnSpc>
+            </a:pPr>
+            <a:r>
+              <a:rPr lang="en-US" sz="1700" dirty="0"/>
+              <a:t>Referred to by CLASS_NAME.VARIABLE_NAME</a:t>
+            </a:r>
+          </a:p>
+          <a:p>
+            <a:pPr>
+              <a:lnSpc>
+                <a:spcPct val="110000"/>
+              </a:lnSpc>
+            </a:pPr>
+            <a:r>
+              <a:rPr lang="en-US" sz="1700" dirty="0"/>
+              <a:t>Class – all sharks are this, instance – this shark is this.</a:t>
             </a:r>
           </a:p>
         </p:txBody>
       </p:sp>
       <p:pic>
         <p:nvPicPr>
-          <p:cNvPr id="1026" name="Picture 2" descr="Object oriented programming (OOP) in Python – Data stories">
+          <p:cNvPr id="4" name="Picture 3">
             <a:extLst>
               <a:ext uri="{FF2B5EF4-FFF2-40B4-BE49-F238E27FC236}">
-                <a16:creationId xmlns:a16="http://schemas.microsoft.com/office/drawing/2014/main" id="{220447ED-AE63-BF5C-F2F5-78C74B54A1E0}"/>
+                <a16:creationId xmlns:a16="http://schemas.microsoft.com/office/drawing/2014/main" id="{A0E94F5F-FF05-F1E3-602C-48F6B8AB8453}"/>
               </a:ext>
             </a:extLst>
           </p:cNvPr>
           <p:cNvPicPr>
-            <a:picLocks noChangeAspect="1" noChangeArrowheads="1"/>
+            <a:picLocks noChangeAspect="1"/>
           </p:cNvPicPr>
           <p:nvPr/>
         </p:nvPicPr>
         <p:blipFill>
-          <a:blip r:embed="rId2">
-            <a:extLst>
-              <a:ext uri="{28A0092B-C50C-407E-A947-70E740481C1C}">
-                <a14:useLocalDpi xmlns:a14="http://schemas.microsoft.com/office/drawing/2010/main" val="0"/>
-              </a:ext>
-            </a:extLst>
-          </a:blip>
+          <a:blip r:embed="rId2"/>
           <a:stretch>
             <a:fillRect/>
           </a:stretch>
         </p:blipFill>
-        <p:spPr bwMode="auto">
-          <a:xfrm>
-            <a:off x="5726305" y="1225740"/>
-            <a:ext cx="6465695" cy="5632260"/>
+        <p:spPr>
+          <a:xfrm>
+            <a:off x="5295218" y="1853754"/>
+            <a:ext cx="6964944" cy="3917781"/>
           </a:xfrm>
           <a:prstGeom prst="rect">
             <a:avLst/>
           </a:prstGeom>
-          <a:noFill/>
-          <a:extLst>
-            <a:ext uri="{909E8E84-426E-40DD-AFC4-6F175D3DCCD1}">
-              <a14:hiddenFill xmlns:a14="http://schemas.microsoft.com/office/drawing/2010/main">
-                <a:solidFill>
-                  <a:srgbClr val="FFFFFF"/>
-                </a:solidFill>
-              </a14:hiddenFill>
-            </a:ext>
-          </a:extLst>
         </p:spPr>
       </p:pic>
     </p:spTree>
     <p:extLst>
       <p:ext uri="{BB962C8B-B14F-4D97-AF65-F5344CB8AC3E}">
-        <p14:creationId xmlns:p14="http://schemas.microsoft.com/office/powerpoint/2010/main" val="2486632864"/>
+        <p14:creationId xmlns:p14="http://schemas.microsoft.com/office/powerpoint/2010/main" val="677262010"/>
       </p:ext>
     </p:extLst>
   </p:cSld>
@@ -4567,7 +4106,7 @@
 </p:sld>
 </file>
 
-<file path=ppt/slides/slide5.xml><?xml version="1.0" encoding="utf-8"?>
+<file path=ppt/slides/slide12.xml><?xml version="1.0" encoding="utf-8"?>
 <p:sld xmlns:a="http://schemas.openxmlformats.org/drawingml/2006/main" xmlns:r="http://schemas.openxmlformats.org/officeDocument/2006/relationships" xmlns:p="http://schemas.openxmlformats.org/presentationml/2006/main">
   <p:cSld>
     <p:spTree>
@@ -4589,7 +4128,7 @@
           <p:cNvPr id="2" name="Title 1">
             <a:extLst>
               <a:ext uri="{FF2B5EF4-FFF2-40B4-BE49-F238E27FC236}">
-                <a16:creationId xmlns:a16="http://schemas.microsoft.com/office/drawing/2014/main" id="{042CC3FC-FAC6-25E1-2005-2A93889E2362}"/>
+                <a16:creationId xmlns:a16="http://schemas.microsoft.com/office/drawing/2014/main" id="{EC3A695D-32FF-A57A-64E3-F25B53B66BD5}"/>
               </a:ext>
             </a:extLst>
           </p:cNvPr>
@@ -4607,7 +4146,7 @@
           <a:p>
             <a:r>
               <a:rPr lang="en-US" dirty="0"/>
-              <a:t>Constructor</a:t>
+              <a:t>Static Methods</a:t>
             </a:r>
           </a:p>
         </p:txBody>
@@ -4617,7 +4156,7 @@
           <p:cNvPr id="3" name="Content Placeholder 2">
             <a:extLst>
               <a:ext uri="{FF2B5EF4-FFF2-40B4-BE49-F238E27FC236}">
-                <a16:creationId xmlns:a16="http://schemas.microsoft.com/office/drawing/2014/main" id="{960E3366-BFE0-5C50-5330-E6BEEAC8C376}"/>
+                <a16:creationId xmlns:a16="http://schemas.microsoft.com/office/drawing/2014/main" id="{3D7E5C0F-96AF-4C2B-B67E-5CF63F266F34}"/>
               </a:ext>
             </a:extLst>
           </p:cNvPr>
@@ -4628,55 +4167,117 @@
             <p:ph idx="1"/>
           </p:nvPr>
         </p:nvSpPr>
-        <p:spPr/>
-        <p:txBody>
-          <a:bodyPr/>
-          <a:lstStyle/>
-          <a:p>
-            <a:r>
-              <a:rPr lang="en-US" dirty="0"/>
-              <a:t>Classes are created using the class keyword. </a:t>
+        <p:spPr>
+          <a:xfrm>
+            <a:off x="1248697" y="1853754"/>
+            <a:ext cx="10087897" cy="4340569"/>
+          </a:xfrm>
+        </p:spPr>
+        <p:txBody>
+          <a:bodyPr>
+            <a:normAutofit lnSpcReduction="10000"/>
+          </a:bodyPr>
+          <a:lstStyle/>
+          <a:p>
+            <a:r>
+              <a:rPr lang="en-US" dirty="0"/>
+              <a:t>As with variables, we can also create static methods. </a:t>
+            </a:r>
+          </a:p>
+          <a:p>
+            <a:r>
+              <a:rPr lang="en-US" dirty="0"/>
+              <a:t>Static methods are not tied to an instance, they are generic functions that live inside a class. </a:t>
+            </a:r>
+          </a:p>
+          <a:p>
+            <a:r>
+              <a:rPr lang="en-US" dirty="0"/>
+              <a:t>Can’t refer to any instance variables, as they are not in an instance. </a:t>
             </a:r>
           </a:p>
           <a:p>
             <a:pPr lvl="1"/>
             <a:r>
               <a:rPr lang="en-US" dirty="0"/>
-              <a:t>The syntax structure is mostly like a function. </a:t>
-            </a:r>
-          </a:p>
-          <a:p>
-            <a:r>
-              <a:rPr lang="en-US" dirty="0"/>
-              <a:t>Classes start with a constructor – a special “magic” method that serves to create each new instance of a class. </a:t>
+              <a:t>Do not have the self reference in their arguments. </a:t>
+            </a:r>
+          </a:p>
+          <a:p>
+            <a:r>
+              <a:rPr lang="en-US" dirty="0"/>
+              <a:t>Often used for utility functions:</a:t>
             </a:r>
           </a:p>
           <a:p>
             <a:pPr lvl="1"/>
             <a:r>
               <a:rPr lang="en-US" dirty="0"/>
-              <a:t>Constructors are named “___</a:t>
+              <a:t>“</a:t>
             </a:r>
             <a:r>
               <a:rPr lang="en-US" dirty="0" err="1"/>
-              <a:t>init</a:t>
-            </a:r>
-            <a:r>
-              <a:rPr lang="en-US" dirty="0"/>
-              <a:t>___()”</a:t>
-            </a:r>
-          </a:p>
-          <a:p>
-            <a:r>
-              <a:rPr lang="en-US" dirty="0"/>
-              <a:t>The constructor does the initialization or setup for the new object to exist. </a:t>
-            </a:r>
-          </a:p>
-          <a:p>
-            <a:r>
-              <a:rPr lang="en-US" dirty="0"/>
-              <a:t>This usually consists of setting the attributes for that instance. </a:t>
-            </a:r>
+              <a:t>read_csv</a:t>
+            </a:r>
+            <a:r>
+              <a:rPr lang="en-US" dirty="0"/>
+              <a:t>” in Pandas, sqrt in Math. </a:t>
+            </a:r>
+          </a:p>
+          <a:p>
+            <a:r>
+              <a:rPr lang="en-US" dirty="0"/>
+              <a:t>Referred to by CLASS_NAME.METHOD_NAME</a:t>
+            </a:r>
+          </a:p>
+          <a:p>
+            <a:pPr lvl="1"/>
+            <a:r>
+              <a:rPr lang="en-US" dirty="0"/>
+              <a:t>E.g. </a:t>
+            </a:r>
+            <a:r>
+              <a:rPr lang="en-US" dirty="0" err="1"/>
+              <a:t>pd.read_csv</a:t>
+            </a:r>
+            <a:r>
+              <a:rPr lang="en-US" dirty="0"/>
+              <a:t>(), </a:t>
+            </a:r>
+            <a:r>
+              <a:rPr lang="en-US" dirty="0" err="1"/>
+              <a:t>np.MATH_THING</a:t>
+            </a:r>
+            <a:r>
+              <a:rPr lang="en-US" dirty="0"/>
+              <a:t>(), </a:t>
+            </a:r>
+            <a:r>
+              <a:rPr lang="en-US" dirty="0" err="1"/>
+              <a:t>etc</a:t>
+            </a:r>
+            <a:r>
+              <a:rPr lang="en-US" dirty="0"/>
+              <a:t>…</a:t>
+            </a:r>
+          </a:p>
+          <a:p>
+            <a:r>
+              <a:rPr lang="en-US" dirty="0"/>
+              <a:t>Declared with a decorator…</a:t>
+            </a:r>
+          </a:p>
+          <a:p>
+            <a:pPr lvl="1"/>
+            <a:r>
+              <a:rPr lang="en-US" dirty="0"/>
+              <a:t>@</a:t>
+            </a:r>
+            <a:r>
+              <a:rPr lang="en-US" dirty="0" err="1"/>
+              <a:t>staticmethod</a:t>
+            </a:r>
+            <a:endParaRPr lang="en-US" dirty="0"/>
           </a:p>
         </p:txBody>
       </p:sp>
@@ -4685,7 +4286,7 @@
           <p:cNvPr id="4" name="Picture 3">
             <a:extLst>
               <a:ext uri="{FF2B5EF4-FFF2-40B4-BE49-F238E27FC236}">
-                <a16:creationId xmlns:a16="http://schemas.microsoft.com/office/drawing/2014/main" id="{295548FB-2BF2-F45B-2568-3579E203E619}"/>
+                <a16:creationId xmlns:a16="http://schemas.microsoft.com/office/drawing/2014/main" id="{CF5BC134-7F99-0923-A209-A239C9C09BFC}"/>
               </a:ext>
             </a:extLst>
           </p:cNvPr>
@@ -4702,8 +4303,8 @@
         </p:blipFill>
         <p:spPr>
           <a:xfrm>
-            <a:off x="6355046" y="232840"/>
-            <a:ext cx="5727700" cy="1879600"/>
+            <a:off x="7859866" y="3984932"/>
+            <a:ext cx="4102100" cy="2565400"/>
           </a:xfrm>
           <a:prstGeom prst="rect">
             <a:avLst/>
@@ -4713,7 +4314,7 @@
     </p:spTree>
     <p:extLst>
       <p:ext uri="{BB962C8B-B14F-4D97-AF65-F5344CB8AC3E}">
-        <p14:creationId xmlns:p14="http://schemas.microsoft.com/office/powerpoint/2010/main" val="2157711317"/>
+        <p14:creationId xmlns:p14="http://schemas.microsoft.com/office/powerpoint/2010/main" val="4277082105"/>
       </p:ext>
     </p:extLst>
   </p:cSld>
@@ -4723,7 +4324,271 @@
 </p:sld>
 </file>
 
-<file path=ppt/slides/slide6.xml><?xml version="1.0" encoding="utf-8"?>
+<file path=ppt/slides/slide13.xml><?xml version="1.0" encoding="utf-8"?>
+<p:sld xmlns:a="http://schemas.openxmlformats.org/drawingml/2006/main" xmlns:r="http://schemas.openxmlformats.org/officeDocument/2006/relationships" xmlns:p="http://schemas.openxmlformats.org/presentationml/2006/main">
+  <p:cSld>
+    <p:spTree>
+      <p:nvGrpSpPr>
+        <p:cNvPr id="1" name=""/>
+        <p:cNvGrpSpPr/>
+        <p:nvPr/>
+      </p:nvGrpSpPr>
+      <p:grpSpPr>
+        <a:xfrm>
+          <a:off x="0" y="0"/>
+          <a:ext cx="0" cy="0"/>
+          <a:chOff x="0" y="0"/>
+          <a:chExt cx="0" cy="0"/>
+        </a:xfrm>
+      </p:grpSpPr>
+      <p:sp>
+        <p:nvSpPr>
+          <p:cNvPr id="2" name="Title 1">
+            <a:extLst>
+              <a:ext uri="{FF2B5EF4-FFF2-40B4-BE49-F238E27FC236}">
+                <a16:creationId xmlns:a16="http://schemas.microsoft.com/office/drawing/2014/main" id="{95CADB0E-C959-4818-BD3A-4E6802E4ACD8}"/>
+              </a:ext>
+            </a:extLst>
+          </p:cNvPr>
+          <p:cNvSpPr>
+            <a:spLocks noGrp="1"/>
+          </p:cNvSpPr>
+          <p:nvPr>
+            <p:ph type="title"/>
+          </p:nvPr>
+        </p:nvSpPr>
+        <p:spPr/>
+        <p:txBody>
+          <a:bodyPr/>
+          <a:lstStyle/>
+          <a:p>
+            <a:r>
+              <a:rPr lang="en-US" dirty="0"/>
+              <a:t>Decorators</a:t>
+            </a:r>
+          </a:p>
+        </p:txBody>
+      </p:sp>
+      <p:sp>
+        <p:nvSpPr>
+          <p:cNvPr id="3" name="Content Placeholder 2">
+            <a:extLst>
+              <a:ext uri="{FF2B5EF4-FFF2-40B4-BE49-F238E27FC236}">
+                <a16:creationId xmlns:a16="http://schemas.microsoft.com/office/drawing/2014/main" id="{B26DA6D6-3FDB-9B3D-6265-54611F1BE669}"/>
+              </a:ext>
+            </a:extLst>
+          </p:cNvPr>
+          <p:cNvSpPr>
+            <a:spLocks noGrp="1"/>
+          </p:cNvSpPr>
+          <p:nvPr>
+            <p:ph idx="1"/>
+          </p:nvPr>
+        </p:nvSpPr>
+        <p:spPr/>
+        <p:txBody>
+          <a:bodyPr/>
+          <a:lstStyle/>
+          <a:p>
+            <a:r>
+              <a:rPr lang="en-US" dirty="0"/>
+              <a:t>A decorator is something that wraps a function in another function. </a:t>
+            </a:r>
+          </a:p>
+          <a:p>
+            <a:pPr lvl="1"/>
+            <a:r>
+              <a:rPr lang="en-US" dirty="0"/>
+              <a:t>Allows for some additional functionality. </a:t>
+            </a:r>
+          </a:p>
+          <a:p>
+            <a:pPr lvl="1"/>
+            <a:r>
+              <a:rPr lang="en-US" dirty="0"/>
+              <a:t>Makes even more abstraction possible. </a:t>
+            </a:r>
+          </a:p>
+          <a:p>
+            <a:r>
+              <a:rPr lang="en-US" dirty="0"/>
+              <a:t>We’ll worry about the details more in the future. </a:t>
+            </a:r>
+          </a:p>
+          <a:p>
+            <a:r>
+              <a:rPr lang="en-US" dirty="0"/>
+              <a:t>For now, it just makes a function static. </a:t>
+            </a:r>
+          </a:p>
+          <a:p>
+            <a:r>
+              <a:rPr lang="en-US" dirty="0"/>
+              <a:t>These can make things fairly confusing to read. </a:t>
+            </a:r>
+          </a:p>
+        </p:txBody>
+      </p:sp>
+    </p:spTree>
+    <p:extLst>
+      <p:ext uri="{BB962C8B-B14F-4D97-AF65-F5344CB8AC3E}">
+        <p14:creationId xmlns:p14="http://schemas.microsoft.com/office/powerpoint/2010/main" val="3075888483"/>
+      </p:ext>
+    </p:extLst>
+  </p:cSld>
+  <p:clrMapOvr>
+    <a:masterClrMapping/>
+  </p:clrMapOvr>
+</p:sld>
+</file>
+
+<file path=ppt/slides/slide14.xml><?xml version="1.0" encoding="utf-8"?>
+<p:sld xmlns:a="http://schemas.openxmlformats.org/drawingml/2006/main" xmlns:r="http://schemas.openxmlformats.org/officeDocument/2006/relationships" xmlns:p="http://schemas.openxmlformats.org/presentationml/2006/main">
+  <p:cSld>
+    <p:spTree>
+      <p:nvGrpSpPr>
+        <p:cNvPr id="1" name=""/>
+        <p:cNvGrpSpPr/>
+        <p:nvPr/>
+      </p:nvGrpSpPr>
+      <p:grpSpPr>
+        <a:xfrm>
+          <a:off x="0" y="0"/>
+          <a:ext cx="0" cy="0"/>
+          <a:chOff x="0" y="0"/>
+          <a:chExt cx="0" cy="0"/>
+        </a:xfrm>
+      </p:grpSpPr>
+      <p:sp>
+        <p:nvSpPr>
+          <p:cNvPr id="2" name="Title 1">
+            <a:extLst>
+              <a:ext uri="{FF2B5EF4-FFF2-40B4-BE49-F238E27FC236}">
+                <a16:creationId xmlns:a16="http://schemas.microsoft.com/office/drawing/2014/main" id="{C76E1F4B-98B6-B776-65F9-2577F06D552E}"/>
+              </a:ext>
+            </a:extLst>
+          </p:cNvPr>
+          <p:cNvSpPr>
+            <a:spLocks noGrp="1"/>
+          </p:cNvSpPr>
+          <p:nvPr>
+            <p:ph type="title"/>
+          </p:nvPr>
+        </p:nvSpPr>
+        <p:spPr/>
+        <p:txBody>
+          <a:bodyPr/>
+          <a:lstStyle/>
+          <a:p>
+            <a:r>
+              <a:rPr lang="en-US" dirty="0"/>
+              <a:t>Inheritance and Class Hierarchy</a:t>
+            </a:r>
+          </a:p>
+        </p:txBody>
+      </p:sp>
+      <p:sp>
+        <p:nvSpPr>
+          <p:cNvPr id="3" name="Content Placeholder 2">
+            <a:extLst>
+              <a:ext uri="{FF2B5EF4-FFF2-40B4-BE49-F238E27FC236}">
+                <a16:creationId xmlns:a16="http://schemas.microsoft.com/office/drawing/2014/main" id="{D31D4D44-1664-84A3-288A-63882D311C2F}"/>
+              </a:ext>
+            </a:extLst>
+          </p:cNvPr>
+          <p:cNvSpPr>
+            <a:spLocks noGrp="1"/>
+          </p:cNvSpPr>
+          <p:nvPr>
+            <p:ph idx="1"/>
+          </p:nvPr>
+        </p:nvSpPr>
+        <p:spPr>
+          <a:xfrm>
+            <a:off x="1069849" y="1853754"/>
+            <a:ext cx="10122408" cy="4308507"/>
+          </a:xfrm>
+        </p:spPr>
+        <p:txBody>
+          <a:bodyPr>
+            <a:normAutofit/>
+          </a:bodyPr>
+          <a:lstStyle/>
+          <a:p>
+            <a:r>
+              <a:rPr lang="en-US" dirty="0"/>
+              <a:t>One thing we’ll set aside for later is the idea of inheritance. </a:t>
+            </a:r>
+          </a:p>
+          <a:p>
+            <a:r>
+              <a:rPr lang="en-US" dirty="0"/>
+              <a:t>Classes can exist in a hierarchy – e.g. a dog and a cat are both animals. </a:t>
+            </a:r>
+          </a:p>
+          <a:p>
+            <a:r>
+              <a:rPr lang="en-US" dirty="0"/>
+              <a:t>This allows us to more easily model the world, makes maintenance easier, and allows for more modular code. E.g.:</a:t>
+            </a:r>
+          </a:p>
+          <a:p>
+            <a:pPr lvl="1"/>
+            <a:r>
+              <a:rPr lang="en-US" dirty="0"/>
+              <a:t>In a college, we may have an “employee” class with attributes name, wage, phone, </a:t>
+            </a:r>
+            <a:r>
+              <a:rPr lang="en-US" dirty="0" err="1"/>
+              <a:t>etc</a:t>
+            </a:r>
+            <a:r>
+              <a:rPr lang="en-US" dirty="0"/>
+              <a:t>…</a:t>
+            </a:r>
+          </a:p>
+          <a:p>
+            <a:pPr lvl="1"/>
+            <a:r>
+              <a:rPr lang="en-US" dirty="0"/>
+              <a:t>We can create “instructor” and “admin” classes which are employees and inherit all of the attributes and methods of an employee. I.e. each instructor is a sub-class of employee. </a:t>
+            </a:r>
+          </a:p>
+          <a:p>
+            <a:pPr lvl="1"/>
+            <a:r>
+              <a:rPr lang="en-US" dirty="0"/>
+              <a:t>The sub-classes add only the specific bits – i.e. instructor schedule, vacation processing…</a:t>
+            </a:r>
+          </a:p>
+          <a:p>
+            <a:r>
+              <a:rPr lang="en-US" dirty="0"/>
+              <a:t>This makes it easy to ”extend” things, we inherit and add the custom bits. </a:t>
+            </a:r>
+          </a:p>
+          <a:p>
+            <a:r>
+              <a:rPr lang="en-US" dirty="0"/>
+              <a:t>No need to rewrite a “change address” function for instructors, the employee one applies. </a:t>
+            </a:r>
+          </a:p>
+        </p:txBody>
+      </p:sp>
+    </p:spTree>
+    <p:extLst>
+      <p:ext uri="{BB962C8B-B14F-4D97-AF65-F5344CB8AC3E}">
+        <p14:creationId xmlns:p14="http://schemas.microsoft.com/office/powerpoint/2010/main" val="1158317254"/>
+      </p:ext>
+    </p:extLst>
+  </p:cSld>
+  <p:clrMapOvr>
+    <a:masterClrMapping/>
+  </p:clrMapOvr>
+</p:sld>
+</file>
+
+<file path=ppt/slides/slide15.xml><?xml version="1.0" encoding="utf-8"?>
 <p:sld xmlns:a="http://schemas.openxmlformats.org/drawingml/2006/main" xmlns:r="http://schemas.openxmlformats.org/officeDocument/2006/relationships" xmlns:p="http://schemas.openxmlformats.org/presentationml/2006/main">
   <p:cSld>
     <p:bg>
@@ -4764,12 +4629,146 @@
           <a:chExt cx="0" cy="0"/>
         </a:xfrm>
       </p:grpSpPr>
+      <p:sp useBgFill="1">
+        <p:nvSpPr>
+          <p:cNvPr id="2055" name="Rectangle 2054">
+            <a:extLst>
+              <a:ext uri="{FF2B5EF4-FFF2-40B4-BE49-F238E27FC236}">
+                <a16:creationId xmlns:a16="http://schemas.microsoft.com/office/drawing/2014/main" id="{C630F413-44CE-4746-9821-9E0107978E7A}"/>
+              </a:ext>
+              <a:ext uri="{C183D7F6-B498-43B3-948B-1728B52AA6E4}">
+                <adec:decorative xmlns:adec="http://schemas.microsoft.com/office/drawing/2017/decorative" val="1"/>
+              </a:ext>
+            </a:extLst>
+          </p:cNvPr>
+          <p:cNvSpPr>
+            <a:spLocks noGrp="1" noRot="1" noChangeAspect="1" noMove="1" noResize="1" noEditPoints="1" noAdjustHandles="1" noChangeArrowheads="1" noChangeShapeType="1" noTextEdit="1"/>
+          </p:cNvSpPr>
+          <p:nvPr>
+            <p:extLst>
+              <p:ext uri="{386F3935-93C4-4BCD-93E2-E3B085C9AB24}">
+                <p16:designElem xmlns:p16="http://schemas.microsoft.com/office/powerpoint/2015/main" val="1"/>
+              </p:ext>
+            </p:extLst>
+          </p:nvPr>
+        </p:nvSpPr>
+        <p:spPr>
+          <a:xfrm>
+            <a:off x="2" y="0"/>
+            <a:ext cx="12191695" cy="6858000"/>
+          </a:xfrm>
+          <a:prstGeom prst="rect">
+            <a:avLst/>
+          </a:prstGeom>
+          <a:ln>
+            <a:noFill/>
+          </a:ln>
+        </p:spPr>
+        <p:style>
+          <a:lnRef idx="2">
+            <a:schemeClr val="accent1">
+              <a:shade val="50000"/>
+            </a:schemeClr>
+          </a:lnRef>
+          <a:fillRef idx="1">
+            <a:schemeClr val="accent1"/>
+          </a:fillRef>
+          <a:effectRef idx="0">
+            <a:schemeClr val="accent1"/>
+          </a:effectRef>
+          <a:fontRef idx="minor">
+            <a:schemeClr val="lt1"/>
+          </a:fontRef>
+        </p:style>
+        <p:txBody>
+          <a:bodyPr rtlCol="0" anchor="ctr"/>
+          <a:lstStyle/>
+          <a:p>
+            <a:pPr algn="ctr"/>
+            <a:endParaRPr lang="en-US"/>
+          </a:p>
+        </p:txBody>
+      </p:sp>
+      <p:sp>
+        <p:nvSpPr>
+          <p:cNvPr id="2057" name="Rectangle 2056">
+            <a:extLst>
+              <a:ext uri="{FF2B5EF4-FFF2-40B4-BE49-F238E27FC236}">
+                <a16:creationId xmlns:a16="http://schemas.microsoft.com/office/drawing/2014/main" id="{22D671B1-B099-4F9C-B9CC-9D22B4DAF8A8}"/>
+              </a:ext>
+              <a:ext uri="{C183D7F6-B498-43B3-948B-1728B52AA6E4}">
+                <adec:decorative xmlns:adec="http://schemas.microsoft.com/office/drawing/2017/decorative" val="1"/>
+              </a:ext>
+            </a:extLst>
+          </p:cNvPr>
+          <p:cNvSpPr>
+            <a:spLocks noGrp="1" noRot="1" noChangeAspect="1" noMove="1" noResize="1" noEditPoints="1" noAdjustHandles="1" noChangeArrowheads="1" noChangeShapeType="1" noTextEdit="1"/>
+          </p:cNvSpPr>
+          <p:nvPr>
+            <p:extLst>
+              <p:ext uri="{386F3935-93C4-4BCD-93E2-E3B085C9AB24}">
+                <p16:designElem xmlns:p16="http://schemas.microsoft.com/office/powerpoint/2015/main" val="1"/>
+              </p:ext>
+            </p:extLst>
+          </p:nvPr>
+        </p:nvSpPr>
+        <p:spPr>
+          <a:xfrm>
+            <a:off x="0" y="2019476"/>
+            <a:ext cx="12192000" cy="4838524"/>
+          </a:xfrm>
+          <a:prstGeom prst="rect">
+            <a:avLst/>
+          </a:prstGeom>
+          <a:gradFill flip="none" rotWithShape="1">
+            <a:gsLst>
+              <a:gs pos="0">
+                <a:schemeClr val="bg2">
+                  <a:alpha val="0"/>
+                </a:schemeClr>
+              </a:gs>
+              <a:gs pos="100000">
+                <a:schemeClr val="bg2"/>
+              </a:gs>
+            </a:gsLst>
+            <a:lin ang="5400000" scaled="0"/>
+            <a:tileRect/>
+          </a:gradFill>
+          <a:ln>
+            <a:noFill/>
+          </a:ln>
+        </p:spPr>
+        <p:style>
+          <a:lnRef idx="2">
+            <a:schemeClr val="accent1">
+              <a:shade val="50000"/>
+            </a:schemeClr>
+          </a:lnRef>
+          <a:fillRef idx="1">
+            <a:schemeClr val="accent1"/>
+          </a:fillRef>
+          <a:effectRef idx="0">
+            <a:schemeClr val="accent1"/>
+          </a:effectRef>
+          <a:fontRef idx="minor">
+            <a:schemeClr val="lt1"/>
+          </a:fontRef>
+        </p:style>
+        <p:txBody>
+          <a:bodyPr rtlCol="0" anchor="ctr"/>
+          <a:lstStyle/>
+          <a:p>
+            <a:pPr lvl="0" algn="ctr"/>
+            <a:endParaRPr lang="en-US"/>
+          </a:p>
+        </p:txBody>
+      </p:sp>
       <p:sp>
         <p:nvSpPr>
           <p:cNvPr id="2" name="Title 1">
             <a:extLst>
               <a:ext uri="{FF2B5EF4-FFF2-40B4-BE49-F238E27FC236}">
-                <a16:creationId xmlns:a16="http://schemas.microsoft.com/office/drawing/2014/main" id="{BD0BCA50-738C-71A8-F942-0DDD104CB14F}"/>
+                <a16:creationId xmlns:a16="http://schemas.microsoft.com/office/drawing/2014/main" id="{3B6AA0F7-FADC-7637-A470-2BADAD2811C7}"/>
               </a:ext>
             </a:extLst>
           </p:cNvPr>
@@ -4782,148 +4781,138 @@
         </p:nvSpPr>
         <p:spPr>
           <a:xfrm>
-            <a:off x="1451579" y="804519"/>
-            <a:ext cx="9603275" cy="1049235"/>
-          </a:xfrm>
-        </p:spPr>
-        <p:txBody>
-          <a:bodyPr>
+            <a:off x="7555992" y="707475"/>
+            <a:ext cx="3157577" cy="1312001"/>
+          </a:xfrm>
+        </p:spPr>
+        <p:txBody>
+          <a:bodyPr anchor="t">
             <a:normAutofit/>
           </a:bodyPr>
           <a:lstStyle/>
           <a:p>
             <a:r>
-              <a:rPr lang="en-US" dirty="0"/>
-              <a:t>Check </a:t>
-            </a:r>
-            <a:r>
-              <a:rPr lang="en-US" dirty="0" err="1"/>
-              <a:t>yo</a:t>
-            </a:r>
-            <a:r>
-              <a:rPr lang="en-US" dirty="0"/>
-              <a:t>’ Self</a:t>
-            </a:r>
-          </a:p>
-        </p:txBody>
-      </p:sp>
-      <p:sp>
-        <p:nvSpPr>
-          <p:cNvPr id="3" name="Content Placeholder 2">
+              <a:rPr lang="en-US" sz="2800" dirty="0"/>
+              <a:t>Object Oriented Programming</a:t>
+            </a:r>
+          </a:p>
+        </p:txBody>
+      </p:sp>
+      <p:cxnSp>
+        <p:nvCxnSpPr>
+          <p:cNvPr id="2059" name="Straight Connector 2058">
             <a:extLst>
               <a:ext uri="{FF2B5EF4-FFF2-40B4-BE49-F238E27FC236}">
-                <a16:creationId xmlns:a16="http://schemas.microsoft.com/office/drawing/2014/main" id="{DBDCB621-3569-364C-D49E-31F2FAB2D281}"/>
+                <a16:creationId xmlns:a16="http://schemas.microsoft.com/office/drawing/2014/main" id="{7552FBEF-FA69-427B-8245-0A518E0513D5}"/>
+              </a:ext>
+              <a:ext uri="{C183D7F6-B498-43B3-948B-1728B52AA6E4}">
+                <adec:decorative xmlns:adec="http://schemas.microsoft.com/office/drawing/2017/decorative" val="1"/>
               </a:ext>
             </a:extLst>
           </p:cNvPr>
-          <p:cNvSpPr>
-            <a:spLocks noGrp="1"/>
-          </p:cNvSpPr>
-          <p:nvPr>
-            <p:ph idx="1"/>
-          </p:nvPr>
-        </p:nvSpPr>
+          <p:cNvCxnSpPr>
+            <a:cxnSpLocks noGrp="1" noRot="1" noChangeAspect="1" noMove="1" noResize="1" noEditPoints="1" noAdjustHandles="1" noChangeArrowheads="1" noChangeShapeType="1"/>
+          </p:cNvCxnSpPr>
+          <p:nvPr>
+            <p:extLst>
+              <p:ext uri="{386F3935-93C4-4BCD-93E2-E3B085C9AB24}">
+                <p16:designElem xmlns:p16="http://schemas.microsoft.com/office/powerpoint/2015/main" val="1"/>
+              </p:ext>
+            </p:extLst>
+          </p:nvPr>
+        </p:nvCxnSpPr>
         <p:spPr>
           <a:xfrm>
-            <a:off x="167148" y="1853754"/>
-            <a:ext cx="5559155" cy="4199727"/>
-          </a:xfrm>
-        </p:spPr>
-        <p:txBody>
-          <a:bodyPr>
+            <a:off x="7555992" y="2146542"/>
+            <a:ext cx="3157578" cy="0"/>
+          </a:xfrm>
+          <a:prstGeom prst="line">
+            <a:avLst/>
+          </a:prstGeom>
+          <a:ln w="31750"/>
+        </p:spPr>
+        <p:style>
+          <a:lnRef idx="3">
+            <a:schemeClr val="accent1"/>
+          </a:lnRef>
+          <a:fillRef idx="0">
+            <a:schemeClr val="accent1"/>
+          </a:fillRef>
+          <a:effectRef idx="2">
+            <a:schemeClr val="accent1"/>
+          </a:effectRef>
+          <a:fontRef idx="minor">
+            <a:schemeClr val="tx1"/>
+          </a:fontRef>
+        </p:style>
+      </p:cxnSp>
+      <p:sp>
+        <p:nvSpPr>
+          <p:cNvPr id="2061" name="Title 1">
+            <a:extLst>
+              <a:ext uri="{FF2B5EF4-FFF2-40B4-BE49-F238E27FC236}">
+                <a16:creationId xmlns:a16="http://schemas.microsoft.com/office/drawing/2014/main" id="{898488B7-DBD3-40E7-B54B-4DA6C5693EF3}"/>
+              </a:ext>
+              <a:ext uri="{C183D7F6-B498-43B3-948B-1728B52AA6E4}">
+                <adec:decorative xmlns:adec="http://schemas.microsoft.com/office/drawing/2017/decorative" val="1"/>
+              </a:ext>
+            </a:extLst>
+          </p:cNvPr>
+          <p:cNvSpPr txBox="1">
+            <a:spLocks noGrp="1" noRot="1" noChangeAspect="1" noMove="1" noResize="1" noEditPoints="1" noAdjustHandles="1" noChangeArrowheads="1" noChangeShapeType="1" noTextEdit="1"/>
+          </p:cNvSpPr>
+          <p:nvPr>
+            <p:extLst>
+              <p:ext uri="{386F3935-93C4-4BCD-93E2-E3B085C9AB24}">
+                <p16:designElem xmlns:p16="http://schemas.microsoft.com/office/powerpoint/2015/main" val="1"/>
+              </p:ext>
+            </p:extLst>
+          </p:nvPr>
+        </p:nvSpPr>
+        <p:spPr>
+          <a:xfrm>
+            <a:off x="1451580" y="3122496"/>
+            <a:ext cx="3530157" cy="1049235"/>
+          </a:xfrm>
+          <a:prstGeom prst="rect">
+            <a:avLst/>
+          </a:prstGeom>
+        </p:spPr>
+        <p:txBody>
+          <a:bodyPr vert="horz" lIns="91440" tIns="45720" rIns="91440" bIns="45720" rtlCol="0" anchor="t">
             <a:normAutofit/>
           </a:bodyPr>
-          <a:lstStyle/>
-          <a:p>
-            <a:pPr>
+          <a:lstStyle>
+            <a:lvl1pPr algn="l" defTabSz="914400" rtl="0" eaLnBrk="1" latinLnBrk="0" hangingPunct="1">
               <a:lnSpc>
-                <a:spcPct val="110000"/>
+                <a:spcPct val="90000"/>
               </a:lnSpc>
-            </a:pPr>
-            <a:r>
-              <a:rPr lang="en-US" dirty="0"/>
-              <a:t>When creating classes we often have the keyword “self”. </a:t>
-            </a:r>
-          </a:p>
-          <a:p>
-            <a:pPr>
-              <a:lnSpc>
-                <a:spcPct val="110000"/>
-              </a:lnSpc>
-            </a:pPr>
-            <a:r>
-              <a:rPr lang="en-US" dirty="0"/>
-              <a:t>Self refers to the object that is created itself.</a:t>
-            </a:r>
-          </a:p>
-          <a:p>
-            <a:pPr lvl="1">
-              <a:lnSpc>
-                <a:spcPct val="110000"/>
-              </a:lnSpc>
-            </a:pPr>
-            <a:r>
-              <a:rPr lang="en-US" dirty="0"/>
-              <a:t>In the constructor, the </a:t>
-            </a:r>
-            <a:r>
-              <a:rPr lang="en-US" dirty="0" err="1"/>
-              <a:t>self.ATTRIBUTE</a:t>
-            </a:r>
-            <a:r>
-              <a:rPr lang="en-US" dirty="0"/>
-              <a:t> lines are declaring the instance variables. </a:t>
-            </a:r>
-          </a:p>
-          <a:p>
-            <a:pPr>
-              <a:lnSpc>
-                <a:spcPct val="110000"/>
-              </a:lnSpc>
-            </a:pPr>
-            <a:r>
-              <a:rPr lang="en-US" dirty="0"/>
-              <a:t>These instance variables are the attributes that are specific to that instance. </a:t>
-            </a:r>
-          </a:p>
-          <a:p>
-            <a:pPr lvl="1">
-              <a:lnSpc>
-                <a:spcPct val="110000"/>
-              </a:lnSpc>
-            </a:pPr>
-            <a:r>
-              <a:rPr lang="en-US" dirty="0"/>
-              <a:t>E.g. Color, make, price, </a:t>
-            </a:r>
-            <a:r>
-              <a:rPr lang="en-US" dirty="0" err="1"/>
-              <a:t>etc</a:t>
-            </a:r>
-            <a:r>
-              <a:rPr lang="en-US" dirty="0"/>
-              <a:t>… can all be different for each individual car. </a:t>
-            </a:r>
-          </a:p>
-          <a:p>
-            <a:pPr>
-              <a:lnSpc>
-                <a:spcPct val="110000"/>
-              </a:lnSpc>
-            </a:pPr>
-            <a:r>
-              <a:rPr lang="en-US" dirty="0"/>
-              <a:t>The self says “get this from myself” for a value. </a:t>
-            </a:r>
+              <a:spcBef>
+                <a:spcPct val="0"/>
+              </a:spcBef>
+              <a:buNone/>
+              <a:defRPr sz="3200" b="0" i="0" kern="1200" cap="all">
+                <a:solidFill>
+                  <a:schemeClr val="tx1"/>
+                </a:solidFill>
+                <a:effectLst/>
+                <a:latin typeface="+mj-lt"/>
+                <a:ea typeface="+mj-ea"/>
+                <a:cs typeface="+mj-cs"/>
+              </a:defRPr>
+            </a:lvl1pPr>
+          </a:lstStyle>
+          <a:p>
+            <a:endParaRPr lang="en-US" dirty="0"/>
           </a:p>
         </p:txBody>
       </p:sp>
       <p:pic>
         <p:nvPicPr>
-          <p:cNvPr id="4" name="Picture 2" descr="Object oriented programming (OOP) in Python – Data stories">
+          <p:cNvPr id="2050" name="Picture 2" descr="Why Object-Oriented Programming Matters - Apollo Technical LLC">
             <a:extLst>
               <a:ext uri="{FF2B5EF4-FFF2-40B4-BE49-F238E27FC236}">
-                <a16:creationId xmlns:a16="http://schemas.microsoft.com/office/drawing/2014/main" id="{50801C2F-0652-18C8-401D-E78AF7FE6EA7}"/>
+                <a16:creationId xmlns:a16="http://schemas.microsoft.com/office/drawing/2014/main" id="{2F24CC25-570D-4A97-7AC1-0A59EA67107B}"/>
               </a:ext>
             </a:extLst>
           </p:cNvPr>
@@ -4946,8 +4935,8 @@
         </p:blipFill>
         <p:spPr bwMode="auto">
           <a:xfrm>
-            <a:off x="5726304" y="1219200"/>
-            <a:ext cx="6473203" cy="5638800"/>
+            <a:off x="210072" y="790445"/>
+            <a:ext cx="7160952" cy="5515347"/>
           </a:xfrm>
           <a:prstGeom prst="rect">
             <a:avLst/>
@@ -4964,10 +4953,92 @@
           </a:extLst>
         </p:spPr>
       </p:pic>
+      <p:sp>
+        <p:nvSpPr>
+          <p:cNvPr id="3" name="Content Placeholder 2">
+            <a:extLst>
+              <a:ext uri="{FF2B5EF4-FFF2-40B4-BE49-F238E27FC236}">
+                <a16:creationId xmlns:a16="http://schemas.microsoft.com/office/drawing/2014/main" id="{A980FAC5-E970-98B9-BE10-E9CE3317BE31}"/>
+              </a:ext>
+            </a:extLst>
+          </p:cNvPr>
+          <p:cNvSpPr>
+            <a:spLocks noGrp="1"/>
+          </p:cNvSpPr>
+          <p:nvPr>
+            <p:ph idx="1"/>
+          </p:nvPr>
+        </p:nvSpPr>
+        <p:spPr>
+          <a:xfrm>
+            <a:off x="6662057" y="2146542"/>
+            <a:ext cx="5453743" cy="4583440"/>
+          </a:xfrm>
+        </p:spPr>
+        <p:txBody>
+          <a:bodyPr>
+            <a:normAutofit/>
+          </a:bodyPr>
+          <a:lstStyle/>
+          <a:p>
+            <a:r>
+              <a:rPr lang="en-US" dirty="0"/>
+              <a:t>This is part of OOP. </a:t>
+            </a:r>
+          </a:p>
+          <a:p>
+            <a:r>
+              <a:rPr lang="en-US" dirty="0"/>
+              <a:t>Roughly:</a:t>
+            </a:r>
+          </a:p>
+          <a:p>
+            <a:pPr lvl="1"/>
+            <a:r>
+              <a:rPr lang="en-US" dirty="0"/>
+              <a:t>We create objects mirroring reality.</a:t>
+            </a:r>
+          </a:p>
+          <a:p>
+            <a:pPr lvl="1"/>
+            <a:r>
+              <a:rPr lang="en-US" dirty="0"/>
+              <a:t>We manipulate them in code. </a:t>
+            </a:r>
+          </a:p>
+          <a:p>
+            <a:r>
+              <a:rPr lang="en-US" dirty="0"/>
+              <a:t>Most general-purpose code is written this way. </a:t>
+            </a:r>
+          </a:p>
+          <a:p>
+            <a:pPr lvl="1"/>
+            <a:r>
+              <a:rPr lang="en-US" dirty="0"/>
+              <a:t>Maps closer to how we think of real scenarios. </a:t>
+            </a:r>
+          </a:p>
+          <a:p>
+            <a:pPr lvl="1"/>
+            <a:r>
+              <a:rPr lang="en-US" dirty="0"/>
+              <a:t>Allows for relatively easy modification and testing. </a:t>
+            </a:r>
+          </a:p>
+          <a:p>
+            <a:pPr lvl="1"/>
+            <a:r>
+              <a:rPr lang="en-US" dirty="0"/>
+              <a:t>Allows for things like swapping out data structures in loops seamlessly…</a:t>
+            </a:r>
+          </a:p>
+        </p:txBody>
+      </p:sp>
     </p:spTree>
     <p:extLst>
       <p:ext uri="{BB962C8B-B14F-4D97-AF65-F5344CB8AC3E}">
-        <p14:creationId xmlns:p14="http://schemas.microsoft.com/office/powerpoint/2010/main" val="2928347139"/>
+        <p14:creationId xmlns:p14="http://schemas.microsoft.com/office/powerpoint/2010/main" val="3430949788"/>
       </p:ext>
     </p:extLst>
   </p:cSld>
@@ -4977,7 +5048,597 @@
 </p:sld>
 </file>
 
-<file path=ppt/slides/slide7.xml><?xml version="1.0" encoding="utf-8"?>
+<file path=ppt/slides/slide16.xml><?xml version="1.0" encoding="utf-8"?>
+<p:sld xmlns:a="http://schemas.openxmlformats.org/drawingml/2006/main" xmlns:r="http://schemas.openxmlformats.org/officeDocument/2006/relationships" xmlns:p="http://schemas.openxmlformats.org/presentationml/2006/main">
+  <p:cSld>
+    <p:spTree>
+      <p:nvGrpSpPr>
+        <p:cNvPr id="1" name=""/>
+        <p:cNvGrpSpPr/>
+        <p:nvPr/>
+      </p:nvGrpSpPr>
+      <p:grpSpPr>
+        <a:xfrm>
+          <a:off x="0" y="0"/>
+          <a:ext cx="0" cy="0"/>
+          <a:chOff x="0" y="0"/>
+          <a:chExt cx="0" cy="0"/>
+        </a:xfrm>
+      </p:grpSpPr>
+      <p:sp>
+        <p:nvSpPr>
+          <p:cNvPr id="2" name="Title 1">
+            <a:extLst>
+              <a:ext uri="{FF2B5EF4-FFF2-40B4-BE49-F238E27FC236}">
+                <a16:creationId xmlns:a16="http://schemas.microsoft.com/office/drawing/2014/main" id="{30C69628-B80D-7819-2FBD-C9069D389AD5}"/>
+              </a:ext>
+            </a:extLst>
+          </p:cNvPr>
+          <p:cNvSpPr>
+            <a:spLocks noGrp="1"/>
+          </p:cNvSpPr>
+          <p:nvPr>
+            <p:ph type="title"/>
+          </p:nvPr>
+        </p:nvSpPr>
+        <p:spPr/>
+        <p:txBody>
+          <a:bodyPr/>
+          <a:lstStyle/>
+          <a:p>
+            <a:r>
+              <a:rPr lang="en-US" dirty="0"/>
+              <a:t>Basic Classes and Objects</a:t>
+            </a:r>
+          </a:p>
+        </p:txBody>
+      </p:sp>
+      <p:sp>
+        <p:nvSpPr>
+          <p:cNvPr id="3" name="Content Placeholder 2">
+            <a:extLst>
+              <a:ext uri="{FF2B5EF4-FFF2-40B4-BE49-F238E27FC236}">
+                <a16:creationId xmlns:a16="http://schemas.microsoft.com/office/drawing/2014/main" id="{0F1AEFBB-9C0A-B745-7BD3-F39380BE3F6C}"/>
+              </a:ext>
+            </a:extLst>
+          </p:cNvPr>
+          <p:cNvSpPr>
+            <a:spLocks noGrp="1"/>
+          </p:cNvSpPr>
+          <p:nvPr>
+            <p:ph idx="1"/>
+          </p:nvPr>
+        </p:nvSpPr>
+        <p:spPr>
+          <a:xfrm>
+            <a:off x="469127" y="1853754"/>
+            <a:ext cx="10996654" cy="4281870"/>
+          </a:xfrm>
+        </p:spPr>
+        <p:txBody>
+          <a:bodyPr>
+            <a:normAutofit/>
+          </a:bodyPr>
+          <a:lstStyle/>
+          <a:p>
+            <a:r>
+              <a:rPr lang="en-US" dirty="0"/>
+              <a:t>Creating classes allows us to make code that is easier to use. </a:t>
+            </a:r>
+          </a:p>
+          <a:p>
+            <a:r>
+              <a:rPr lang="en-US" dirty="0"/>
+              <a:t>If we have anything that has 2 or more attributes or can “do something”, it may be better as a class:</a:t>
+            </a:r>
+          </a:p>
+          <a:p>
+            <a:pPr lvl="1"/>
+            <a:r>
+              <a:rPr lang="en-US" dirty="0"/>
+              <a:t>E.g. Suppose we are keeping track of loan balances for customers at our loan shark business</a:t>
+            </a:r>
+          </a:p>
+          <a:p>
+            <a:pPr lvl="2"/>
+            <a:r>
+              <a:rPr lang="en-US" dirty="0"/>
+              <a:t>We could keep a list of (name, amount, kneecaps remaining) tuples, and write code to update this. </a:t>
+            </a:r>
+          </a:p>
+          <a:p>
+            <a:pPr lvl="3"/>
+            <a:r>
+              <a:rPr lang="en-US" dirty="0"/>
+              <a:t>E.g. grab the correct person, get the balance, lower it with a payment. </a:t>
+            </a:r>
+          </a:p>
+          <a:p>
+            <a:pPr lvl="2"/>
+            <a:r>
+              <a:rPr lang="en-US" dirty="0"/>
+              <a:t>Or we could write a “deadbeat” class that has attributes for the info, and methods to “</a:t>
+            </a:r>
+            <a:r>
+              <a:rPr lang="en-US" dirty="0" err="1"/>
+              <a:t>add_payment</a:t>
+            </a:r>
+            <a:r>
+              <a:rPr lang="en-US" dirty="0"/>
+              <a:t>()”. </a:t>
+            </a:r>
+          </a:p>
+          <a:p>
+            <a:r>
+              <a:rPr lang="en-US" dirty="0"/>
+              <a:t>More abstraction = easier to build complex things. </a:t>
+            </a:r>
+          </a:p>
+          <a:p>
+            <a:pPr lvl="1"/>
+            <a:r>
+              <a:rPr lang="en-US" dirty="0"/>
+              <a:t>As with functions, we can create something once, test it, then reuse it as needed. </a:t>
+            </a:r>
+          </a:p>
+          <a:p>
+            <a:pPr lvl="1"/>
+            <a:r>
+              <a:rPr lang="en-US" dirty="0"/>
+              <a:t>We don’t need to think of the details of how each thing works, letting us focus on more important things. </a:t>
+            </a:r>
+          </a:p>
+          <a:p>
+            <a:pPr lvl="2"/>
+            <a:r>
+              <a:rPr lang="en-US" dirty="0"/>
+              <a:t>Python is called a high-level language – many of the gory details are invisible to us. It’s easier to do complex things. </a:t>
+            </a:r>
+          </a:p>
+        </p:txBody>
+      </p:sp>
+    </p:spTree>
+    <p:extLst>
+      <p:ext uri="{BB962C8B-B14F-4D97-AF65-F5344CB8AC3E}">
+        <p14:creationId xmlns:p14="http://schemas.microsoft.com/office/powerpoint/2010/main" val="318176312"/>
+      </p:ext>
+    </p:extLst>
+  </p:cSld>
+  <p:clrMapOvr>
+    <a:masterClrMapping/>
+  </p:clrMapOvr>
+</p:sld>
+</file>
+
+<file path=ppt/slides/slide2.xml><?xml version="1.0" encoding="utf-8"?>
+<p:sld xmlns:a="http://schemas.openxmlformats.org/drawingml/2006/main" xmlns:r="http://schemas.openxmlformats.org/officeDocument/2006/relationships" xmlns:p="http://schemas.openxmlformats.org/presentationml/2006/main">
+  <p:cSld>
+    <p:spTree>
+      <p:nvGrpSpPr>
+        <p:cNvPr id="1" name=""/>
+        <p:cNvGrpSpPr/>
+        <p:nvPr/>
+      </p:nvGrpSpPr>
+      <p:grpSpPr>
+        <a:xfrm>
+          <a:off x="0" y="0"/>
+          <a:ext cx="0" cy="0"/>
+          <a:chOff x="0" y="0"/>
+          <a:chExt cx="0" cy="0"/>
+        </a:xfrm>
+      </p:grpSpPr>
+      <p:sp>
+        <p:nvSpPr>
+          <p:cNvPr id="2" name="Title 1">
+            <a:extLst>
+              <a:ext uri="{FF2B5EF4-FFF2-40B4-BE49-F238E27FC236}">
+                <a16:creationId xmlns:a16="http://schemas.microsoft.com/office/drawing/2014/main" id="{1637EF71-09B8-F650-7ADD-F7DDAB4DF8A2}"/>
+              </a:ext>
+            </a:extLst>
+          </p:cNvPr>
+          <p:cNvSpPr>
+            <a:spLocks noGrp="1"/>
+          </p:cNvSpPr>
+          <p:nvPr>
+            <p:ph type="title"/>
+          </p:nvPr>
+        </p:nvSpPr>
+        <p:spPr/>
+        <p:txBody>
+          <a:bodyPr/>
+          <a:lstStyle/>
+          <a:p>
+            <a:r>
+              <a:rPr lang="en-US" dirty="0"/>
+              <a:t>Objects and Variables</a:t>
+            </a:r>
+          </a:p>
+        </p:txBody>
+      </p:sp>
+      <p:sp>
+        <p:nvSpPr>
+          <p:cNvPr id="3" name="Content Placeholder 2">
+            <a:extLst>
+              <a:ext uri="{FF2B5EF4-FFF2-40B4-BE49-F238E27FC236}">
+                <a16:creationId xmlns:a16="http://schemas.microsoft.com/office/drawing/2014/main" id="{C0D32997-73F8-9A96-13BB-E9CEC9A66376}"/>
+              </a:ext>
+            </a:extLst>
+          </p:cNvPr>
+          <p:cNvSpPr>
+            <a:spLocks noGrp="1"/>
+          </p:cNvSpPr>
+          <p:nvPr>
+            <p:ph idx="1"/>
+          </p:nvPr>
+        </p:nvSpPr>
+        <p:spPr>
+          <a:xfrm>
+            <a:off x="1451579" y="2015732"/>
+            <a:ext cx="9603275" cy="3917929"/>
+          </a:xfrm>
+        </p:spPr>
+        <p:txBody>
+          <a:bodyPr/>
+          <a:lstStyle/>
+          <a:p>
+            <a:r>
+              <a:rPr lang="en-US" dirty="0"/>
+              <a:t>We started with a look at variables – the things we create in programs that hold all our useful data. </a:t>
+            </a:r>
+          </a:p>
+          <a:p>
+            <a:r>
+              <a:rPr lang="en-US" dirty="0"/>
+              <a:t>Each variable had two parts:</a:t>
+            </a:r>
+          </a:p>
+          <a:p>
+            <a:pPr lvl="1"/>
+            <a:r>
+              <a:rPr lang="en-US" dirty="0"/>
+              <a:t>Variable name – how we refer to it in code. </a:t>
+            </a:r>
+          </a:p>
+          <a:p>
+            <a:pPr lvl="1"/>
+            <a:r>
+              <a:rPr lang="en-US" dirty="0"/>
+              <a:t>Object – each variable “points” to some object that exist in the memory of our program. </a:t>
+            </a:r>
+          </a:p>
+          <a:p>
+            <a:r>
+              <a:rPr lang="en-US" dirty="0"/>
+              <a:t>These objects have been numbers, strings, lists, </a:t>
+            </a:r>
+            <a:r>
+              <a:rPr lang="en-US" dirty="0" err="1"/>
+              <a:t>etc</a:t>
+            </a:r>
+            <a:r>
+              <a:rPr lang="en-US" dirty="0"/>
+              <a:t>…</a:t>
+            </a:r>
+          </a:p>
+          <a:p>
+            <a:pPr lvl="1"/>
+            <a:r>
+              <a:rPr lang="en-US" dirty="0"/>
+              <a:t>Each object has “stuff” inside of it – attributes and methods (functions). </a:t>
+            </a:r>
+          </a:p>
+          <a:p>
+            <a:r>
+              <a:rPr lang="en-US" dirty="0"/>
+              <a:t>We can use the variables window in VS Code to see all the variables in our program, and the objects they point to. </a:t>
+            </a:r>
+          </a:p>
+        </p:txBody>
+      </p:sp>
+    </p:spTree>
+    <p:extLst>
+      <p:ext uri="{BB962C8B-B14F-4D97-AF65-F5344CB8AC3E}">
+        <p14:creationId xmlns:p14="http://schemas.microsoft.com/office/powerpoint/2010/main" val="727065515"/>
+      </p:ext>
+    </p:extLst>
+  </p:cSld>
+  <p:clrMapOvr>
+    <a:masterClrMapping/>
+  </p:clrMapOvr>
+</p:sld>
+</file>
+
+<file path=ppt/slides/slide3.xml><?xml version="1.0" encoding="utf-8"?>
+<p:sld xmlns:a="http://schemas.openxmlformats.org/drawingml/2006/main" xmlns:r="http://schemas.openxmlformats.org/officeDocument/2006/relationships" xmlns:p="http://schemas.openxmlformats.org/presentationml/2006/main">
+  <p:cSld>
+    <p:spTree>
+      <p:nvGrpSpPr>
+        <p:cNvPr id="1" name=""/>
+        <p:cNvGrpSpPr/>
+        <p:nvPr/>
+      </p:nvGrpSpPr>
+      <p:grpSpPr>
+        <a:xfrm>
+          <a:off x="0" y="0"/>
+          <a:ext cx="0" cy="0"/>
+          <a:chOff x="0" y="0"/>
+          <a:chExt cx="0" cy="0"/>
+        </a:xfrm>
+      </p:grpSpPr>
+      <p:sp>
+        <p:nvSpPr>
+          <p:cNvPr id="2" name="Title 1">
+            <a:extLst>
+              <a:ext uri="{FF2B5EF4-FFF2-40B4-BE49-F238E27FC236}">
+                <a16:creationId xmlns:a16="http://schemas.microsoft.com/office/drawing/2014/main" id="{97A5AAC3-3D57-6A4B-C52B-D539AED39C7C}"/>
+              </a:ext>
+            </a:extLst>
+          </p:cNvPr>
+          <p:cNvSpPr>
+            <a:spLocks noGrp="1"/>
+          </p:cNvSpPr>
+          <p:nvPr>
+            <p:ph type="title"/>
+          </p:nvPr>
+        </p:nvSpPr>
+        <p:spPr/>
+        <p:txBody>
+          <a:bodyPr/>
+          <a:lstStyle/>
+          <a:p>
+            <a:r>
+              <a:rPr lang="en-US" dirty="0"/>
+              <a:t>Objects</a:t>
+            </a:r>
+          </a:p>
+        </p:txBody>
+      </p:sp>
+      <p:sp>
+        <p:nvSpPr>
+          <p:cNvPr id="3" name="Content Placeholder 2">
+            <a:extLst>
+              <a:ext uri="{FF2B5EF4-FFF2-40B4-BE49-F238E27FC236}">
+                <a16:creationId xmlns:a16="http://schemas.microsoft.com/office/drawing/2014/main" id="{7FB896B8-36A7-E9C8-78B8-55B1CF985351}"/>
+              </a:ext>
+            </a:extLst>
+          </p:cNvPr>
+          <p:cNvSpPr>
+            <a:spLocks noGrp="1"/>
+          </p:cNvSpPr>
+          <p:nvPr>
+            <p:ph idx="1"/>
+          </p:nvPr>
+        </p:nvSpPr>
+        <p:spPr>
+          <a:xfrm>
+            <a:off x="1451579" y="2015732"/>
+            <a:ext cx="9603275" cy="4037749"/>
+          </a:xfrm>
+        </p:spPr>
+        <p:txBody>
+          <a:bodyPr>
+            <a:normAutofit lnSpcReduction="10000"/>
+          </a:bodyPr>
+          <a:lstStyle/>
+          <a:p>
+            <a:r>
+              <a:rPr lang="en-US" dirty="0"/>
+              <a:t>In Python, pretty much everything is an object. </a:t>
+            </a:r>
+          </a:p>
+          <a:p>
+            <a:r>
+              <a:rPr lang="en-US" dirty="0"/>
+              <a:t>Objects have attributes, or variables that hold their info. </a:t>
+            </a:r>
+          </a:p>
+          <a:p>
+            <a:pPr lvl="1"/>
+            <a:r>
+              <a:rPr lang="en-US" dirty="0"/>
+              <a:t>E.g. a ”book” object on Amazon’s site has a title, author, </a:t>
+            </a:r>
+            <a:r>
+              <a:rPr lang="en-US" dirty="0" err="1"/>
+              <a:t>etc</a:t>
+            </a:r>
+            <a:r>
+              <a:rPr lang="en-US" dirty="0"/>
+              <a:t>…</a:t>
+            </a:r>
+          </a:p>
+          <a:p>
+            <a:r>
+              <a:rPr lang="en-US" dirty="0"/>
+              <a:t>Objects also have methods, or functions that they can execute. </a:t>
+            </a:r>
+          </a:p>
+          <a:p>
+            <a:pPr lvl="1"/>
+            <a:r>
+              <a:rPr lang="en-US" dirty="0"/>
+              <a:t>E.g. a </a:t>
+            </a:r>
+            <a:r>
+              <a:rPr lang="en-US" dirty="0" err="1"/>
+              <a:t>dataframe</a:t>
+            </a:r>
+            <a:r>
+              <a:rPr lang="en-US" dirty="0"/>
+              <a:t> has a “head()” function that returns the top X rows of data. </a:t>
+            </a:r>
+          </a:p>
+          <a:p>
+            <a:r>
+              <a:rPr lang="en-US" dirty="0"/>
+              <a:t>Recall – each object is an instance, or one specific example, of some “class”. </a:t>
+            </a:r>
+          </a:p>
+          <a:p>
+            <a:pPr lvl="1"/>
+            <a:r>
+              <a:rPr lang="en-US" dirty="0"/>
+              <a:t>E.g. There is a generic class of </a:t>
+            </a:r>
+            <a:r>
+              <a:rPr lang="en-US" dirty="0" err="1"/>
+              <a:t>dataframe</a:t>
+            </a:r>
+            <a:r>
+              <a:rPr lang="en-US" dirty="0"/>
+              <a:t> that defines it and each one we make is a new creation of that “model” of object. </a:t>
+            </a:r>
+          </a:p>
+          <a:p>
+            <a:pPr lvl="1"/>
+            <a:r>
+              <a:rPr lang="en-US" dirty="0"/>
+              <a:t>E.g. A “Ford F-150” is a class. It has attributes* (engine, paint color) and methods (start the car, turn). If you buy one, yours is one instance, or example of an F-150. Yours has its own values. </a:t>
+            </a:r>
+          </a:p>
+        </p:txBody>
+      </p:sp>
+    </p:spTree>
+    <p:extLst>
+      <p:ext uri="{BB962C8B-B14F-4D97-AF65-F5344CB8AC3E}">
+        <p14:creationId xmlns:p14="http://schemas.microsoft.com/office/powerpoint/2010/main" val="1841547595"/>
+      </p:ext>
+    </p:extLst>
+  </p:cSld>
+  <p:clrMapOvr>
+    <a:masterClrMapping/>
+  </p:clrMapOvr>
+</p:sld>
+</file>
+
+<file path=ppt/slides/slide4.xml><?xml version="1.0" encoding="utf-8"?>
+<p:sld xmlns:a="http://schemas.openxmlformats.org/drawingml/2006/main" xmlns:r="http://schemas.openxmlformats.org/officeDocument/2006/relationships" xmlns:p="http://schemas.openxmlformats.org/presentationml/2006/main">
+  <p:cSld>
+    <p:spTree>
+      <p:nvGrpSpPr>
+        <p:cNvPr id="1" name=""/>
+        <p:cNvGrpSpPr/>
+        <p:nvPr/>
+      </p:nvGrpSpPr>
+      <p:grpSpPr>
+        <a:xfrm>
+          <a:off x="0" y="0"/>
+          <a:ext cx="0" cy="0"/>
+          <a:chOff x="0" y="0"/>
+          <a:chExt cx="0" cy="0"/>
+        </a:xfrm>
+      </p:grpSpPr>
+      <p:sp>
+        <p:nvSpPr>
+          <p:cNvPr id="2" name="Title 1">
+            <a:extLst>
+              <a:ext uri="{FF2B5EF4-FFF2-40B4-BE49-F238E27FC236}">
+                <a16:creationId xmlns:a16="http://schemas.microsoft.com/office/drawing/2014/main" id="{51CB0618-A89E-ABDD-05B1-D64A9A776BD0}"/>
+              </a:ext>
+            </a:extLst>
+          </p:cNvPr>
+          <p:cNvSpPr>
+            <a:spLocks noGrp="1"/>
+          </p:cNvSpPr>
+          <p:nvPr>
+            <p:ph type="title"/>
+          </p:nvPr>
+        </p:nvSpPr>
+        <p:spPr/>
+        <p:txBody>
+          <a:bodyPr/>
+          <a:lstStyle/>
+          <a:p>
+            <a:endParaRPr lang="en-US"/>
+          </a:p>
+        </p:txBody>
+      </p:sp>
+      <p:sp>
+        <p:nvSpPr>
+          <p:cNvPr id="3" name="Content Placeholder 2">
+            <a:extLst>
+              <a:ext uri="{FF2B5EF4-FFF2-40B4-BE49-F238E27FC236}">
+                <a16:creationId xmlns:a16="http://schemas.microsoft.com/office/drawing/2014/main" id="{7E93E3B8-CC86-4AEB-06AC-C2B1C5E58BD6}"/>
+              </a:ext>
+            </a:extLst>
+          </p:cNvPr>
+          <p:cNvSpPr>
+            <a:spLocks noGrp="1"/>
+          </p:cNvSpPr>
+          <p:nvPr>
+            <p:ph idx="1"/>
+          </p:nvPr>
+        </p:nvSpPr>
+        <p:spPr/>
+        <p:txBody>
+          <a:bodyPr/>
+          <a:lstStyle/>
+          <a:p>
+            <a:endParaRPr lang="en-US"/>
+          </a:p>
+        </p:txBody>
+      </p:sp>
+      <p:pic>
+        <p:nvPicPr>
+          <p:cNvPr id="1026" name="Picture 2" descr="Object Oriented Python : Class(es) and Object(s) | by Daksh Gupta | Medium">
+            <a:extLst>
+              <a:ext uri="{FF2B5EF4-FFF2-40B4-BE49-F238E27FC236}">
+                <a16:creationId xmlns:a16="http://schemas.microsoft.com/office/drawing/2014/main" id="{0D09468D-ECAF-06EB-C3F9-F1F3BEB082BA}"/>
+              </a:ext>
+            </a:extLst>
+          </p:cNvPr>
+          <p:cNvPicPr>
+            <a:picLocks noChangeAspect="1" noChangeArrowheads="1"/>
+          </p:cNvPicPr>
+          <p:nvPr/>
+        </p:nvPicPr>
+        <p:blipFill>
+          <a:blip r:embed="rId2">
+            <a:extLst>
+              <a:ext uri="{28A0092B-C50C-407E-A947-70E740481C1C}">
+                <a14:useLocalDpi xmlns:a14="http://schemas.microsoft.com/office/drawing/2010/main" val="0"/>
+              </a:ext>
+            </a:extLst>
+          </a:blip>
+          <a:srcRect/>
+          <a:stretch>
+            <a:fillRect/>
+          </a:stretch>
+        </p:blipFill>
+        <p:spPr bwMode="auto">
+          <a:xfrm>
+            <a:off x="739775" y="0"/>
+            <a:ext cx="10710863" cy="6858000"/>
+          </a:xfrm>
+          <a:prstGeom prst="rect">
+            <a:avLst/>
+          </a:prstGeom>
+          <a:noFill/>
+          <a:extLst>
+            <a:ext uri="{909E8E84-426E-40DD-AFC4-6F175D3DCCD1}">
+              <a14:hiddenFill xmlns:a14="http://schemas.microsoft.com/office/drawing/2010/main">
+                <a:solidFill>
+                  <a:srgbClr val="FFFFFF"/>
+                </a:solidFill>
+              </a14:hiddenFill>
+            </a:ext>
+          </a:extLst>
+        </p:spPr>
+      </p:pic>
+    </p:spTree>
+    <p:extLst>
+      <p:ext uri="{BB962C8B-B14F-4D97-AF65-F5344CB8AC3E}">
+        <p14:creationId xmlns:p14="http://schemas.microsoft.com/office/powerpoint/2010/main" val="3497943102"/>
+      </p:ext>
+    </p:extLst>
+  </p:cSld>
+  <p:clrMapOvr>
+    <a:masterClrMapping/>
+  </p:clrMapOvr>
+</p:sld>
+</file>
+
+<file path=ppt/slides/slide5.xml><?xml version="1.0" encoding="utf-8"?>
 <p:sld xmlns:a="http://schemas.openxmlformats.org/drawingml/2006/main" xmlns:r="http://schemas.openxmlformats.org/officeDocument/2006/relationships" xmlns:p="http://schemas.openxmlformats.org/presentationml/2006/main">
   <p:cSld>
     <p:bg>
@@ -5023,7 +5684,7 @@
           <p:cNvPr id="2" name="Title 1">
             <a:extLst>
               <a:ext uri="{FF2B5EF4-FFF2-40B4-BE49-F238E27FC236}">
-                <a16:creationId xmlns:a16="http://schemas.microsoft.com/office/drawing/2014/main" id="{D25358F9-39B1-EE9B-C874-B54790473B90}"/>
+                <a16:creationId xmlns:a16="http://schemas.microsoft.com/office/drawing/2014/main" id="{E7997809-B940-472F-9FC2-8A469A5ABC10}"/>
               </a:ext>
             </a:extLst>
           </p:cNvPr>
@@ -5048,7 +5709,416 @@
           <a:p>
             <a:r>
               <a:rPr lang="en-US" dirty="0"/>
-              <a:t>Self</a:t>
+              <a:t>Classes and Objects</a:t>
+            </a:r>
+          </a:p>
+        </p:txBody>
+      </p:sp>
+      <p:sp>
+        <p:nvSpPr>
+          <p:cNvPr id="3" name="Content Placeholder 2">
+            <a:extLst>
+              <a:ext uri="{FF2B5EF4-FFF2-40B4-BE49-F238E27FC236}">
+                <a16:creationId xmlns:a16="http://schemas.microsoft.com/office/drawing/2014/main" id="{F3EFCAE8-B959-2F99-2DCF-E9028AE1CB4B}"/>
+              </a:ext>
+            </a:extLst>
+          </p:cNvPr>
+          <p:cNvSpPr>
+            <a:spLocks noGrp="1"/>
+          </p:cNvSpPr>
+          <p:nvPr>
+            <p:ph idx="1"/>
+          </p:nvPr>
+        </p:nvSpPr>
+        <p:spPr>
+          <a:xfrm>
+            <a:off x="222637" y="1853754"/>
+            <a:ext cx="5503668" cy="4199727"/>
+          </a:xfrm>
+        </p:spPr>
+        <p:txBody>
+          <a:bodyPr>
+            <a:normAutofit/>
+          </a:bodyPr>
+          <a:lstStyle/>
+          <a:p>
+            <a:r>
+              <a:rPr lang="en-US" dirty="0"/>
+              <a:t>Classes define what an object is. </a:t>
+            </a:r>
+          </a:p>
+          <a:p>
+            <a:pPr lvl="1"/>
+            <a:r>
+              <a:rPr lang="en-US" dirty="0"/>
+              <a:t>E.g.  We can create a class of “car”, then declare many variables that point to instances of cars. </a:t>
+            </a:r>
+          </a:p>
+          <a:p>
+            <a:r>
+              <a:rPr lang="en-US" dirty="0"/>
+              <a:t>Each instance of a class has its own attributes. </a:t>
+            </a:r>
+          </a:p>
+          <a:p>
+            <a:r>
+              <a:rPr lang="en-US" dirty="0"/>
+              <a:t>We write the class when we define what an object is. We create instances when we use it. </a:t>
+            </a:r>
+          </a:p>
+          <a:p>
+            <a:r>
+              <a:rPr lang="en-US" dirty="0"/>
+              <a:t>The class is effectively a template for that type of object. </a:t>
+            </a:r>
+          </a:p>
+        </p:txBody>
+      </p:sp>
+      <p:pic>
+        <p:nvPicPr>
+          <p:cNvPr id="1026" name="Picture 2" descr="Object oriented programming (OOP) in Python – Data stories">
+            <a:extLst>
+              <a:ext uri="{FF2B5EF4-FFF2-40B4-BE49-F238E27FC236}">
+                <a16:creationId xmlns:a16="http://schemas.microsoft.com/office/drawing/2014/main" id="{220447ED-AE63-BF5C-F2F5-78C74B54A1E0}"/>
+              </a:ext>
+            </a:extLst>
+          </p:cNvPr>
+          <p:cNvPicPr>
+            <a:picLocks noChangeAspect="1" noChangeArrowheads="1"/>
+          </p:cNvPicPr>
+          <p:nvPr/>
+        </p:nvPicPr>
+        <p:blipFill>
+          <a:blip r:embed="rId2">
+            <a:extLst>
+              <a:ext uri="{28A0092B-C50C-407E-A947-70E740481C1C}">
+                <a14:useLocalDpi xmlns:a14="http://schemas.microsoft.com/office/drawing/2010/main" val="0"/>
+              </a:ext>
+            </a:extLst>
+          </a:blip>
+          <a:stretch>
+            <a:fillRect/>
+          </a:stretch>
+        </p:blipFill>
+        <p:spPr bwMode="auto">
+          <a:xfrm>
+            <a:off x="5726305" y="1225740"/>
+            <a:ext cx="6465695" cy="5632260"/>
+          </a:xfrm>
+          <a:prstGeom prst="rect">
+            <a:avLst/>
+          </a:prstGeom>
+          <a:noFill/>
+          <a:extLst>
+            <a:ext uri="{909E8E84-426E-40DD-AFC4-6F175D3DCCD1}">
+              <a14:hiddenFill xmlns:a14="http://schemas.microsoft.com/office/drawing/2010/main">
+                <a:solidFill>
+                  <a:srgbClr val="FFFFFF"/>
+                </a:solidFill>
+              </a14:hiddenFill>
+            </a:ext>
+          </a:extLst>
+        </p:spPr>
+      </p:pic>
+    </p:spTree>
+    <p:extLst>
+      <p:ext uri="{BB962C8B-B14F-4D97-AF65-F5344CB8AC3E}">
+        <p14:creationId xmlns:p14="http://schemas.microsoft.com/office/powerpoint/2010/main" val="2486632864"/>
+      </p:ext>
+    </p:extLst>
+  </p:cSld>
+  <p:clrMapOvr>
+    <a:masterClrMapping/>
+  </p:clrMapOvr>
+</p:sld>
+</file>
+
+<file path=ppt/slides/slide6.xml><?xml version="1.0" encoding="utf-8"?>
+<p:sld xmlns:a="http://schemas.openxmlformats.org/drawingml/2006/main" xmlns:r="http://schemas.openxmlformats.org/officeDocument/2006/relationships" xmlns:p="http://schemas.openxmlformats.org/presentationml/2006/main">
+  <p:cSld>
+    <p:spTree>
+      <p:nvGrpSpPr>
+        <p:cNvPr id="1" name=""/>
+        <p:cNvGrpSpPr/>
+        <p:nvPr/>
+      </p:nvGrpSpPr>
+      <p:grpSpPr>
+        <a:xfrm>
+          <a:off x="0" y="0"/>
+          <a:ext cx="0" cy="0"/>
+          <a:chOff x="0" y="0"/>
+          <a:chExt cx="0" cy="0"/>
+        </a:xfrm>
+      </p:grpSpPr>
+      <p:sp>
+        <p:nvSpPr>
+          <p:cNvPr id="2" name="Title 1">
+            <a:extLst>
+              <a:ext uri="{FF2B5EF4-FFF2-40B4-BE49-F238E27FC236}">
+                <a16:creationId xmlns:a16="http://schemas.microsoft.com/office/drawing/2014/main" id="{771694D2-07DB-58DC-10A7-21695B962806}"/>
+              </a:ext>
+            </a:extLst>
+          </p:cNvPr>
+          <p:cNvSpPr>
+            <a:spLocks noGrp="1"/>
+          </p:cNvSpPr>
+          <p:nvPr>
+            <p:ph type="title"/>
+          </p:nvPr>
+        </p:nvSpPr>
+        <p:spPr/>
+        <p:txBody>
+          <a:bodyPr/>
+          <a:lstStyle/>
+          <a:p>
+            <a:r>
+              <a:rPr lang="en-US" dirty="0"/>
+              <a:t>Using and Making Objects</a:t>
+            </a:r>
+          </a:p>
+        </p:txBody>
+      </p:sp>
+      <p:sp>
+        <p:nvSpPr>
+          <p:cNvPr id="3" name="Content Placeholder 2">
+            <a:extLst>
+              <a:ext uri="{FF2B5EF4-FFF2-40B4-BE49-F238E27FC236}">
+                <a16:creationId xmlns:a16="http://schemas.microsoft.com/office/drawing/2014/main" id="{88685F98-411A-E9AF-F2C1-C875E8D1B71A}"/>
+              </a:ext>
+            </a:extLst>
+          </p:cNvPr>
+          <p:cNvSpPr>
+            <a:spLocks noGrp="1"/>
+          </p:cNvSpPr>
+          <p:nvPr>
+            <p:ph idx="1"/>
+          </p:nvPr>
+        </p:nvSpPr>
+        <p:spPr>
+          <a:xfrm>
+            <a:off x="1451579" y="1853754"/>
+            <a:ext cx="9603275" cy="4199727"/>
+          </a:xfrm>
+        </p:spPr>
+        <p:txBody>
+          <a:bodyPr/>
+          <a:lstStyle/>
+          <a:p>
+            <a:r>
+              <a:rPr lang="en-US" dirty="0"/>
+              <a:t>We generally make objects to mirror the real things we are modelling in code. </a:t>
+            </a:r>
+          </a:p>
+          <a:p>
+            <a:pPr lvl="1"/>
+            <a:r>
+              <a:rPr lang="en-US" dirty="0"/>
+              <a:t>E.g. a store has ‘product’ objects, a school has ‘students’ and ‘courses’. </a:t>
+            </a:r>
+          </a:p>
+          <a:p>
+            <a:r>
+              <a:rPr lang="en-US" dirty="0"/>
+              <a:t>Generally a customizing of existing objects to match what we care about. </a:t>
+            </a:r>
+          </a:p>
+          <a:p>
+            <a:pPr lvl="1"/>
+            <a:r>
+              <a:rPr lang="en-US" dirty="0"/>
+              <a:t>Objects have attributes – normal strings, numbers, </a:t>
+            </a:r>
+            <a:r>
+              <a:rPr lang="en-US" dirty="0" err="1"/>
+              <a:t>etc</a:t>
+            </a:r>
+            <a:r>
+              <a:rPr lang="en-US" dirty="0"/>
+              <a:t>… </a:t>
+            </a:r>
+          </a:p>
+          <a:p>
+            <a:pPr lvl="1"/>
+            <a:r>
+              <a:rPr lang="en-US" dirty="0"/>
+              <a:t>We can group all of those attributes ‘into’ the object. </a:t>
+            </a:r>
+          </a:p>
+          <a:p>
+            <a:pPr lvl="1"/>
+            <a:r>
+              <a:rPr lang="en-US" dirty="0"/>
+              <a:t>Objects can usually do things (or have them done to it), we can put those things into methods – functions inside the object. </a:t>
+            </a:r>
+          </a:p>
+          <a:p>
+            <a:pPr lvl="1"/>
+            <a:r>
+              <a:rPr lang="en-US" dirty="0"/>
+              <a:t>E.g. a string can upper(), a </a:t>
+            </a:r>
+            <a:r>
+              <a:rPr lang="en-US" dirty="0" err="1"/>
+              <a:t>dataframe</a:t>
+            </a:r>
+            <a:r>
+              <a:rPr lang="en-US" dirty="0"/>
+              <a:t> can </a:t>
+            </a:r>
+            <a:r>
+              <a:rPr lang="en-US" dirty="0" err="1"/>
+              <a:t>agg</a:t>
+            </a:r>
+            <a:r>
+              <a:rPr lang="en-US" dirty="0"/>
+              <a:t>(), a student can graduate(), a product can disc().</a:t>
+            </a:r>
+          </a:p>
+          <a:p>
+            <a:pPr lvl="1"/>
+            <a:r>
+              <a:rPr lang="en-US" dirty="0"/>
+              <a:t>The methods are the functions that are </a:t>
+            </a:r>
+            <a:r>
+              <a:rPr lang="en-US" dirty="0" err="1"/>
+              <a:t>var_name.FUNCTION</a:t>
+            </a:r>
+            <a:r>
+              <a:rPr lang="en-US" dirty="0"/>
+              <a:t>()</a:t>
+            </a:r>
+          </a:p>
+          <a:p>
+            <a:r>
+              <a:rPr lang="en-US" dirty="0"/>
+              <a:t>Can make one any time it makes sense to treat something as a ‘thing’. </a:t>
+            </a:r>
+          </a:p>
+        </p:txBody>
+      </p:sp>
+    </p:spTree>
+    <p:extLst>
+      <p:ext uri="{BB962C8B-B14F-4D97-AF65-F5344CB8AC3E}">
+        <p14:creationId xmlns:p14="http://schemas.microsoft.com/office/powerpoint/2010/main" val="1855741735"/>
+      </p:ext>
+    </p:extLst>
+  </p:cSld>
+  <p:clrMapOvr>
+    <a:masterClrMapping/>
+  </p:clrMapOvr>
+</p:sld>
+</file>
+
+<file path=ppt/slides/slide7.xml><?xml version="1.0" encoding="utf-8"?>
+<p:sld xmlns:a="http://schemas.openxmlformats.org/drawingml/2006/main" xmlns:r="http://schemas.openxmlformats.org/officeDocument/2006/relationships" xmlns:p="http://schemas.openxmlformats.org/presentationml/2006/main">
+  <p:cSld>
+    <p:spTree>
+      <p:nvGrpSpPr>
+        <p:cNvPr id="1" name=""/>
+        <p:cNvGrpSpPr/>
+        <p:nvPr/>
+      </p:nvGrpSpPr>
+      <p:grpSpPr>
+        <a:xfrm>
+          <a:off x="0" y="0"/>
+          <a:ext cx="0" cy="0"/>
+          <a:chOff x="0" y="0"/>
+          <a:chExt cx="0" cy="0"/>
+        </a:xfrm>
+      </p:grpSpPr>
+      <p:sp>
+        <p:nvSpPr>
+          <p:cNvPr id="2" name="Title 1">
+            <a:extLst>
+              <a:ext uri="{FF2B5EF4-FFF2-40B4-BE49-F238E27FC236}">
+                <a16:creationId xmlns:a16="http://schemas.microsoft.com/office/drawing/2014/main" id="{042CC3FC-FAC6-25E1-2005-2A93889E2362}"/>
+              </a:ext>
+            </a:extLst>
+          </p:cNvPr>
+          <p:cNvSpPr>
+            <a:spLocks noGrp="1"/>
+          </p:cNvSpPr>
+          <p:nvPr>
+            <p:ph type="title"/>
+          </p:nvPr>
+        </p:nvSpPr>
+        <p:spPr/>
+        <p:txBody>
+          <a:bodyPr/>
+          <a:lstStyle/>
+          <a:p>
+            <a:r>
+              <a:rPr lang="en-US" dirty="0"/>
+              <a:t>Constructor</a:t>
+            </a:r>
+          </a:p>
+        </p:txBody>
+      </p:sp>
+      <p:sp>
+        <p:nvSpPr>
+          <p:cNvPr id="3" name="Content Placeholder 2">
+            <a:extLst>
+              <a:ext uri="{FF2B5EF4-FFF2-40B4-BE49-F238E27FC236}">
+                <a16:creationId xmlns:a16="http://schemas.microsoft.com/office/drawing/2014/main" id="{960E3366-BFE0-5C50-5330-E6BEEAC8C376}"/>
+              </a:ext>
+            </a:extLst>
+          </p:cNvPr>
+          <p:cNvSpPr>
+            <a:spLocks noGrp="1"/>
+          </p:cNvSpPr>
+          <p:nvPr>
+            <p:ph idx="1"/>
+          </p:nvPr>
+        </p:nvSpPr>
+        <p:spPr/>
+        <p:txBody>
+          <a:bodyPr/>
+          <a:lstStyle/>
+          <a:p>
+            <a:r>
+              <a:rPr lang="en-US" dirty="0"/>
+              <a:t>Classes are created using the class keyword. </a:t>
+            </a:r>
+          </a:p>
+          <a:p>
+            <a:pPr lvl="1"/>
+            <a:r>
+              <a:rPr lang="en-US" dirty="0"/>
+              <a:t>The syntax structure is mostly like a function. </a:t>
+            </a:r>
+          </a:p>
+          <a:p>
+            <a:r>
+              <a:rPr lang="en-US" dirty="0"/>
+              <a:t>Classes start with a constructor – a special “magic” method that serves to create each new instance of a class. </a:t>
+            </a:r>
+          </a:p>
+          <a:p>
+            <a:pPr lvl="1"/>
+            <a:r>
+              <a:rPr lang="en-US" dirty="0"/>
+              <a:t>Constructors are named “___</a:t>
+            </a:r>
+            <a:r>
+              <a:rPr lang="en-US" dirty="0" err="1"/>
+              <a:t>init</a:t>
+            </a:r>
+            <a:r>
+              <a:rPr lang="en-US" dirty="0"/>
+              <a:t>___()”</a:t>
+            </a:r>
+          </a:p>
+          <a:p>
+            <a:r>
+              <a:rPr lang="en-US" dirty="0"/>
+              <a:t>The constructor does the initialization or setup for the new object to exist. </a:t>
+            </a:r>
+          </a:p>
+          <a:p>
+            <a:r>
+              <a:rPr lang="en-US" dirty="0"/>
+              <a:t>This usually consists of setting the attributes for that instance. </a:t>
             </a:r>
           </a:p>
         </p:txBody>
@@ -5058,7 +6128,7 @@
           <p:cNvPr id="4" name="Picture 3">
             <a:extLst>
               <a:ext uri="{FF2B5EF4-FFF2-40B4-BE49-F238E27FC236}">
-                <a16:creationId xmlns:a16="http://schemas.microsoft.com/office/drawing/2014/main" id="{D6A4AF0D-5F7B-4F73-00DE-1AA52BA93F9B}"/>
+                <a16:creationId xmlns:a16="http://schemas.microsoft.com/office/drawing/2014/main" id="{295548FB-2BF2-F45B-2568-3579E203E619}"/>
               </a:ext>
             </a:extLst>
           </p:cNvPr>
@@ -5075,66 +6145,18 @@
         </p:blipFill>
         <p:spPr>
           <a:xfrm>
-            <a:off x="0" y="1980083"/>
-            <a:ext cx="7273480" cy="2582085"/>
+            <a:off x="6355046" y="232840"/>
+            <a:ext cx="5727700" cy="1879600"/>
           </a:xfrm>
           <a:prstGeom prst="rect">
             <a:avLst/>
           </a:prstGeom>
         </p:spPr>
       </p:pic>
-      <p:sp>
-        <p:nvSpPr>
-          <p:cNvPr id="3" name="Content Placeholder 2">
-            <a:extLst>
-              <a:ext uri="{FF2B5EF4-FFF2-40B4-BE49-F238E27FC236}">
-                <a16:creationId xmlns:a16="http://schemas.microsoft.com/office/drawing/2014/main" id="{26C045B5-6B26-B4FD-4379-D50293389313}"/>
-              </a:ext>
-            </a:extLst>
-          </p:cNvPr>
-          <p:cNvSpPr>
-            <a:spLocks noGrp="1"/>
-          </p:cNvSpPr>
-          <p:nvPr>
-            <p:ph idx="1"/>
-          </p:nvPr>
-        </p:nvSpPr>
-        <p:spPr>
-          <a:xfrm>
-            <a:off x="7413523" y="1980083"/>
-            <a:ext cx="4654053" cy="4073398"/>
-          </a:xfrm>
-        </p:spPr>
-        <p:txBody>
-          <a:bodyPr>
-            <a:normAutofit/>
-          </a:bodyPr>
-          <a:lstStyle/>
-          <a:p>
-            <a:r>
-              <a:rPr lang="en-US" dirty="0"/>
-              <a:t>The self keyword is used for all the instance variables in a class. </a:t>
-            </a:r>
-          </a:p>
-          <a:p>
-            <a:r>
-              <a:rPr lang="en-US" dirty="0"/>
-              <a:t>Self is also the first parameter for (most of) the methods in a class. </a:t>
-            </a:r>
-          </a:p>
-          <a:p>
-            <a:pPr lvl="1"/>
-            <a:r>
-              <a:rPr lang="en-US" dirty="0"/>
-              <a:t>This parameter directs those functions to act on the object that they are a part of. </a:t>
-            </a:r>
-          </a:p>
-        </p:txBody>
-      </p:sp>
     </p:spTree>
     <p:extLst>
       <p:ext uri="{BB962C8B-B14F-4D97-AF65-F5344CB8AC3E}">
-        <p14:creationId xmlns:p14="http://schemas.microsoft.com/office/powerpoint/2010/main" val="2381303483"/>
+        <p14:creationId xmlns:p14="http://schemas.microsoft.com/office/powerpoint/2010/main" val="2157711317"/>
       </p:ext>
     </p:extLst>
   </p:cSld>
@@ -5190,7 +6212,7 @@
           <p:cNvPr id="2" name="Title 1">
             <a:extLst>
               <a:ext uri="{FF2B5EF4-FFF2-40B4-BE49-F238E27FC236}">
-                <a16:creationId xmlns:a16="http://schemas.microsoft.com/office/drawing/2014/main" id="{1175AD8E-FCCD-2F43-FAD0-8C112C0EF997}"/>
+                <a16:creationId xmlns:a16="http://schemas.microsoft.com/office/drawing/2014/main" id="{BD0BCA50-738C-71A8-F942-0DDD104CB14F}"/>
               </a:ext>
             </a:extLst>
           </p:cNvPr>
@@ -5215,7 +6237,15 @@
           <a:p>
             <a:r>
               <a:rPr lang="en-US" dirty="0"/>
-              <a:t>Class/Static Variables</a:t>
+              <a:t>Check </a:t>
+            </a:r>
+            <a:r>
+              <a:rPr lang="en-US" dirty="0" err="1"/>
+              <a:t>yo</a:t>
+            </a:r>
+            <a:r>
+              <a:rPr lang="en-US" dirty="0"/>
+              <a:t>’ Self</a:t>
             </a:r>
           </a:p>
         </p:txBody>
@@ -5225,7 +6255,7 @@
           <p:cNvPr id="3" name="Content Placeholder 2">
             <a:extLst>
               <a:ext uri="{FF2B5EF4-FFF2-40B4-BE49-F238E27FC236}">
-                <a16:creationId xmlns:a16="http://schemas.microsoft.com/office/drawing/2014/main" id="{6E709BD3-ACEE-B8DC-5117-941D937D5475}"/>
+                <a16:creationId xmlns:a16="http://schemas.microsoft.com/office/drawing/2014/main" id="{DBDCB621-3569-364C-D49E-31F2FAB2D281}"/>
               </a:ext>
             </a:extLst>
           </p:cNvPr>
@@ -5238,8 +6268,8 @@
         </p:nvSpPr>
         <p:spPr>
           <a:xfrm>
-            <a:off x="1" y="1853754"/>
-            <a:ext cx="5295218" cy="4199727"/>
+            <a:off x="167148" y="1853754"/>
+            <a:ext cx="5559155" cy="4199727"/>
           </a:xfrm>
         </p:spPr>
         <p:txBody>
@@ -5254,8 +6284,8 @@
               </a:lnSpc>
             </a:pPr>
             <a:r>
-              <a:rPr lang="en-US" sz="1700" dirty="0"/>
-              <a:t>Every instance variable is unique to each instance. </a:t>
+              <a:rPr lang="en-US" dirty="0"/>
+              <a:t>When creating classes we often have the keyword “self”. </a:t>
             </a:r>
           </a:p>
           <a:p>
@@ -5265,8 +6295,27 @@
               </a:lnSpc>
             </a:pPr>
             <a:r>
-              <a:rPr lang="en-US" sz="1700" dirty="0"/>
-              <a:t>Class (static) variables are variables that are universal for a class. </a:t>
+              <a:rPr lang="en-US" dirty="0"/>
+              <a:t>Self refers to the object that is created itself.</a:t>
+            </a:r>
+          </a:p>
+          <a:p>
+            <a:pPr lvl="1">
+              <a:lnSpc>
+                <a:spcPct val="110000"/>
+              </a:lnSpc>
+            </a:pPr>
+            <a:r>
+              <a:rPr lang="en-US" dirty="0"/>
+              <a:t>In the constructor, the </a:t>
+            </a:r>
+            <a:r>
+              <a:rPr lang="en-US" dirty="0" err="1"/>
+              <a:t>self.ATTRIBUTE</a:t>
+            </a:r>
+            <a:r>
+              <a:rPr lang="en-US" dirty="0"/>
+              <a:t> lines are declaring the instance variables. </a:t>
             </a:r>
           </a:p>
           <a:p>
@@ -5276,8 +6325,8 @@
               </a:lnSpc>
             </a:pPr>
             <a:r>
-              <a:rPr lang="en-US" sz="1700" dirty="0"/>
-              <a:t>Commonly used for constants that apply everywhere and rarely change. </a:t>
+              <a:rPr lang="en-US" dirty="0"/>
+              <a:t>These instance variables are the attributes that are specific to that instance. </a:t>
             </a:r>
           </a:p>
           <a:p>
@@ -5287,16 +6336,16 @@
               </a:lnSpc>
             </a:pPr>
             <a:r>
-              <a:rPr lang="en-US" sz="1700" dirty="0"/>
-              <a:t>E.g. a school registration system could have a class size limit in the “</a:t>
-            </a:r>
-            <a:r>
-              <a:rPr lang="en-US" sz="1700" dirty="0" err="1"/>
-              <a:t>class_offering</a:t>
-            </a:r>
-            <a:r>
-              <a:rPr lang="en-US" sz="1700" dirty="0"/>
-              <a:t>” class. </a:t>
+              <a:rPr lang="en-US" dirty="0"/>
+              <a:t>E.g. Color, make, price, </a:t>
+            </a:r>
+            <a:r>
+              <a:rPr lang="en-US" dirty="0" err="1"/>
+              <a:t>etc</a:t>
+            </a:r>
+            <a:r>
+              <a:rPr lang="en-US" dirty="0"/>
+              <a:t>… can all be different for each individual car. </a:t>
             </a:r>
           </a:p>
           <a:p>
@@ -5306,57 +6355,62 @@
               </a:lnSpc>
             </a:pPr>
             <a:r>
-              <a:rPr lang="en-US" sz="1700" dirty="0"/>
-              <a:t>Declared inside a class, but outside of any function. </a:t>
-            </a:r>
-          </a:p>
-          <a:p>
-            <a:pPr>
-              <a:lnSpc>
-                <a:spcPct val="110000"/>
-              </a:lnSpc>
-            </a:pPr>
-            <a:r>
-              <a:rPr lang="en-US" sz="1700" dirty="0"/>
-              <a:t>Referred to by CLASS_NAME.VARIABLE_NAME</a:t>
+              <a:rPr lang="en-US" dirty="0"/>
+              <a:t>The self says “get this from myself” for a value. </a:t>
             </a:r>
           </a:p>
         </p:txBody>
       </p:sp>
       <p:pic>
         <p:nvPicPr>
-          <p:cNvPr id="4" name="Picture 3">
+          <p:cNvPr id="4" name="Picture 2" descr="Object oriented programming (OOP) in Python – Data stories">
             <a:extLst>
               <a:ext uri="{FF2B5EF4-FFF2-40B4-BE49-F238E27FC236}">
-                <a16:creationId xmlns:a16="http://schemas.microsoft.com/office/drawing/2014/main" id="{A0E94F5F-FF05-F1E3-602C-48F6B8AB8453}"/>
+                <a16:creationId xmlns:a16="http://schemas.microsoft.com/office/drawing/2014/main" id="{50801C2F-0652-18C8-401D-E78AF7FE6EA7}"/>
               </a:ext>
             </a:extLst>
           </p:cNvPr>
           <p:cNvPicPr>
-            <a:picLocks noChangeAspect="1"/>
+            <a:picLocks noChangeAspect="1" noChangeArrowheads="1"/>
           </p:cNvPicPr>
           <p:nvPr/>
         </p:nvPicPr>
         <p:blipFill>
-          <a:blip r:embed="rId2"/>
+          <a:blip r:embed="rId2">
+            <a:extLst>
+              <a:ext uri="{28A0092B-C50C-407E-A947-70E740481C1C}">
+                <a14:useLocalDpi xmlns:a14="http://schemas.microsoft.com/office/drawing/2010/main" val="0"/>
+              </a:ext>
+            </a:extLst>
+          </a:blip>
           <a:stretch>
             <a:fillRect/>
           </a:stretch>
         </p:blipFill>
-        <p:spPr>
-          <a:xfrm>
-            <a:off x="5295218" y="1853754"/>
-            <a:ext cx="6964944" cy="3917781"/>
+        <p:spPr bwMode="auto">
+          <a:xfrm>
+            <a:off x="5726304" y="1219200"/>
+            <a:ext cx="6473203" cy="5638800"/>
           </a:xfrm>
           <a:prstGeom prst="rect">
             <a:avLst/>
           </a:prstGeom>
+          <a:noFill/>
+          <a:extLst>
+            <a:ext uri="{909E8E84-426E-40DD-AFC4-6F175D3DCCD1}">
+              <a14:hiddenFill xmlns:a14="http://schemas.microsoft.com/office/drawing/2010/main">
+                <a:solidFill>
+                  <a:srgbClr val="FFFFFF"/>
+                </a:solidFill>
+              </a14:hiddenFill>
+            </a:ext>
+          </a:extLst>
         </p:spPr>
       </p:pic>
     </p:spTree>
     <p:extLst>
       <p:ext uri="{BB962C8B-B14F-4D97-AF65-F5344CB8AC3E}">
-        <p14:creationId xmlns:p14="http://schemas.microsoft.com/office/powerpoint/2010/main" val="677262010"/>
+        <p14:creationId xmlns:p14="http://schemas.microsoft.com/office/powerpoint/2010/main" val="2928347139"/>
       </p:ext>
     </p:extLst>
   </p:cSld>
@@ -5369,6 +6423,30 @@
 <file path=ppt/slides/slide9.xml><?xml version="1.0" encoding="utf-8"?>
 <p:sld xmlns:a="http://schemas.openxmlformats.org/drawingml/2006/main" xmlns:r="http://schemas.openxmlformats.org/officeDocument/2006/relationships" xmlns:p="http://schemas.openxmlformats.org/presentationml/2006/main">
   <p:cSld>
+    <p:bg>
+      <p:bgPr>
+        <a:gradFill rotWithShape="1">
+          <a:gsLst>
+            <a:gs pos="0">
+              <a:schemeClr val="bg2">
+                <a:tint val="94000"/>
+                <a:satMod val="80000"/>
+                <a:lumMod val="106000"/>
+              </a:schemeClr>
+            </a:gs>
+            <a:gs pos="100000">
+              <a:schemeClr val="bg2">
+                <a:shade val="80000"/>
+              </a:schemeClr>
+            </a:gs>
+          </a:gsLst>
+          <a:path path="circle">
+            <a:fillToRect l="43000" r="43000" b="100000"/>
+          </a:path>
+        </a:gradFill>
+        <a:effectLst/>
+      </p:bgPr>
+    </p:bg>
     <p:spTree>
       <p:nvGrpSpPr>
         <p:cNvPr id="1" name=""/>
@@ -5385,163 +6463,352 @@
       </p:grpSpPr>
       <p:sp>
         <p:nvSpPr>
-          <p:cNvPr id="2" name="Title 1">
+          <p:cNvPr id="3079" name="Rectangle 3078">
             <a:extLst>
               <a:ext uri="{FF2B5EF4-FFF2-40B4-BE49-F238E27FC236}">
-                <a16:creationId xmlns:a16="http://schemas.microsoft.com/office/drawing/2014/main" id="{EC3A695D-32FF-A57A-64E3-F25B53B66BD5}"/>
+                <a16:creationId xmlns:a16="http://schemas.microsoft.com/office/drawing/2014/main" id="{CDDE5CDF-1512-4CDA-B956-23D223F8DE44}"/>
+              </a:ext>
+              <a:ext uri="{C183D7F6-B498-43B3-948B-1728B52AA6E4}">
+                <adec:decorative xmlns:adec="http://schemas.microsoft.com/office/drawing/2017/decorative" val="1"/>
               </a:ext>
             </a:extLst>
           </p:cNvPr>
           <p:cNvSpPr>
-            <a:spLocks noGrp="1"/>
-          </p:cNvSpPr>
-          <p:nvPr>
-            <p:ph type="title"/>
-          </p:nvPr>
-        </p:nvSpPr>
-        <p:spPr/>
+            <a:spLocks noGrp="1" noRot="1" noChangeAspect="1" noMove="1" noResize="1" noEditPoints="1" noAdjustHandles="1" noChangeArrowheads="1" noChangeShapeType="1" noTextEdit="1"/>
+          </p:cNvSpPr>
+          <p:nvPr>
+            <p:extLst>
+              <p:ext uri="{386F3935-93C4-4BCD-93E2-E3B085C9AB24}">
+                <p16:designElem xmlns:p16="http://schemas.microsoft.com/office/powerpoint/2015/main" val="1"/>
+              </p:ext>
+            </p:extLst>
+          </p:nvPr>
+        </p:nvSpPr>
+        <p:spPr>
+          <a:xfrm>
+            <a:off x="0" y="2019476"/>
+            <a:ext cx="12192000" cy="4105941"/>
+          </a:xfrm>
+          <a:prstGeom prst="rect">
+            <a:avLst/>
+          </a:prstGeom>
+          <a:gradFill flip="none" rotWithShape="1">
+            <a:gsLst>
+              <a:gs pos="0">
+                <a:schemeClr val="bg2">
+                  <a:alpha val="0"/>
+                </a:schemeClr>
+              </a:gs>
+              <a:gs pos="100000">
+                <a:schemeClr val="bg2"/>
+              </a:gs>
+            </a:gsLst>
+            <a:lin ang="5400000" scaled="0"/>
+            <a:tileRect/>
+          </a:gradFill>
+          <a:ln>
+            <a:noFill/>
+          </a:ln>
+        </p:spPr>
+        <p:style>
+          <a:lnRef idx="2">
+            <a:schemeClr val="accent1">
+              <a:shade val="50000"/>
+            </a:schemeClr>
+          </a:lnRef>
+          <a:fillRef idx="1">
+            <a:schemeClr val="accent1"/>
+          </a:fillRef>
+          <a:effectRef idx="0">
+            <a:schemeClr val="accent1"/>
+          </a:effectRef>
+          <a:fontRef idx="minor">
+            <a:schemeClr val="lt1"/>
+          </a:fontRef>
+        </p:style>
         <p:txBody>
           <a:bodyPr/>
           <a:lstStyle/>
           <a:p>
-            <a:r>
-              <a:rPr lang="en-US" dirty="0"/>
-              <a:t>Static Methods</a:t>
-            </a:r>
-          </a:p>
-        </p:txBody>
-      </p:sp>
-      <p:sp>
-        <p:nvSpPr>
-          <p:cNvPr id="3" name="Content Placeholder 2">
+            <a:endParaRPr lang="en-US"/>
+          </a:p>
+        </p:txBody>
+      </p:sp>
+      <p:pic>
+        <p:nvPicPr>
+          <p:cNvPr id="3081" name="Picture 3080">
             <a:extLst>
               <a:ext uri="{FF2B5EF4-FFF2-40B4-BE49-F238E27FC236}">
-                <a16:creationId xmlns:a16="http://schemas.microsoft.com/office/drawing/2014/main" id="{3D7E5C0F-96AF-4C2B-B67E-5CF63F266F34}"/>
+                <a16:creationId xmlns:a16="http://schemas.microsoft.com/office/drawing/2014/main" id="{B029D7D8-5A6B-4C76-94C8-15798C6C5ADB}"/>
               </a:ext>
-            </a:extLst>
-          </p:cNvPr>
-          <p:cNvSpPr>
-            <a:spLocks noGrp="1"/>
-          </p:cNvSpPr>
-          <p:nvPr>
-            <p:ph idx="1"/>
-          </p:nvPr>
-        </p:nvSpPr>
-        <p:spPr>
-          <a:xfrm>
-            <a:off x="1248697" y="1853754"/>
-            <a:ext cx="10087897" cy="4340569"/>
-          </a:xfrm>
-        </p:spPr>
-        <p:txBody>
-          <a:bodyPr/>
-          <a:lstStyle/>
-          <a:p>
-            <a:r>
-              <a:rPr lang="en-US" dirty="0"/>
-              <a:t>As with variables, we can also create static methods. </a:t>
-            </a:r>
-          </a:p>
-          <a:p>
-            <a:r>
-              <a:rPr lang="en-US" dirty="0"/>
-              <a:t>Static methods are not tied to an instance, they are generic functions that live inside a class. </a:t>
-            </a:r>
-          </a:p>
-          <a:p>
-            <a:r>
-              <a:rPr lang="en-US" dirty="0"/>
-              <a:t>Can’t refer to any instance variables, as they are not in an instance. </a:t>
-            </a:r>
-          </a:p>
-          <a:p>
-            <a:pPr lvl="1"/>
-            <a:r>
-              <a:rPr lang="en-US" dirty="0"/>
-              <a:t>Do not have the self reference in their arguments. </a:t>
-            </a:r>
-          </a:p>
-          <a:p>
-            <a:r>
-              <a:rPr lang="en-US" dirty="0"/>
-              <a:t>Often used for utility functions:</a:t>
-            </a:r>
-          </a:p>
-          <a:p>
-            <a:pPr lvl="1"/>
-            <a:r>
-              <a:rPr lang="en-US" dirty="0"/>
-              <a:t>“</a:t>
-            </a:r>
-            <a:r>
-              <a:rPr lang="en-US" dirty="0" err="1"/>
-              <a:t>read_csv</a:t>
-            </a:r>
-            <a:r>
-              <a:rPr lang="en-US" dirty="0"/>
-              <a:t>” in Pandas, sqrt in Math. </a:t>
-            </a:r>
-          </a:p>
-          <a:p>
-            <a:r>
-              <a:rPr lang="en-US" dirty="0"/>
-              <a:t>Referred to by CLASS_NAME.METHOD_NAME</a:t>
-            </a:r>
-          </a:p>
-          <a:p>
-            <a:r>
-              <a:rPr lang="en-US" dirty="0"/>
-              <a:t>Declared with a decorator…</a:t>
-            </a:r>
-          </a:p>
-          <a:p>
-            <a:pPr lvl="1"/>
-            <a:r>
-              <a:rPr lang="en-US" dirty="0"/>
-              <a:t>@</a:t>
-            </a:r>
-            <a:r>
-              <a:rPr lang="en-US" dirty="0" err="1"/>
-              <a:t>staticmethod</a:t>
-            </a:r>
-            <a:endParaRPr lang="en-US" dirty="0"/>
-          </a:p>
-        </p:txBody>
-      </p:sp>
-      <p:pic>
-        <p:nvPicPr>
-          <p:cNvPr id="4" name="Picture 3">
-            <a:extLst>
-              <a:ext uri="{FF2B5EF4-FFF2-40B4-BE49-F238E27FC236}">
-                <a16:creationId xmlns:a16="http://schemas.microsoft.com/office/drawing/2014/main" id="{CF5BC134-7F99-0923-A209-A239C9C09BFC}"/>
+              <a:ext uri="{C183D7F6-B498-43B3-948B-1728B52AA6E4}">
+                <adec:decorative xmlns:adec="http://schemas.microsoft.com/office/drawing/2017/decorative" val="1"/>
               </a:ext>
             </a:extLst>
           </p:cNvPr>
           <p:cNvPicPr>
-            <a:picLocks noChangeAspect="1"/>
+            <a:picLocks noGrp="1" noRot="1" noChangeAspect="1" noMove="1" noResize="1" noEditPoints="1" noAdjustHandles="1" noChangeArrowheads="1" noChangeShapeType="1" noCrop="1"/>
           </p:cNvPicPr>
-          <p:nvPr/>
+          <p:nvPr>
+            <p:extLst>
+              <p:ext uri="{386F3935-93C4-4BCD-93E2-E3B085C9AB24}">
+                <p16:designElem xmlns:p16="http://schemas.microsoft.com/office/powerpoint/2015/main" val="1"/>
+              </p:ext>
+            </p:extLst>
+          </p:nvPr>
+        </p:nvPicPr>
+        <p:blipFill rotWithShape="1">
+          <a:blip r:embed="rId2">
+            <a:extLst>
+              <a:ext uri="{28A0092B-C50C-407E-A947-70E740481C1C}">
+                <a14:useLocalDpi xmlns:a14="http://schemas.microsoft.com/office/drawing/2010/main" val="0"/>
+              </a:ext>
+            </a:extLst>
+          </a:blip>
+          <a:srcRect t="1538" b="-1538"/>
+          <a:stretch/>
+        </p:blipFill>
+        <p:spPr bwMode="black">
+          <a:xfrm>
+            <a:off x="0" y="6126480"/>
+            <a:ext cx="12192000" cy="742950"/>
+          </a:xfrm>
+          <a:prstGeom prst="rect">
+            <a:avLst/>
+          </a:prstGeom>
+        </p:spPr>
+      </p:pic>
+      <p:cxnSp>
+        <p:nvCxnSpPr>
+          <p:cNvPr id="3083" name="Straight Connector 3082">
+            <a:extLst>
+              <a:ext uri="{FF2B5EF4-FFF2-40B4-BE49-F238E27FC236}">
+                <a16:creationId xmlns:a16="http://schemas.microsoft.com/office/drawing/2014/main" id="{A5C9319C-E20D-4884-952F-60B6A58C3E34}"/>
+              </a:ext>
+              <a:ext uri="{C183D7F6-B498-43B3-948B-1728B52AA6E4}">
+                <adec:decorative xmlns:adec="http://schemas.microsoft.com/office/drawing/2017/decorative" val="1"/>
+              </a:ext>
+            </a:extLst>
+          </p:cNvPr>
+          <p:cNvCxnSpPr>
+            <a:cxnSpLocks noGrp="1" noRot="1" noChangeAspect="1" noMove="1" noResize="1" noEditPoints="1" noAdjustHandles="1" noChangeArrowheads="1" noChangeShapeType="1"/>
+          </p:cNvCxnSpPr>
+          <p:nvPr>
+            <p:extLst>
+              <p:ext uri="{386F3935-93C4-4BCD-93E2-E3B085C9AB24}">
+                <p16:designElem xmlns:p16="http://schemas.microsoft.com/office/powerpoint/2015/main" val="1"/>
+              </p:ext>
+            </p:extLst>
+          </p:nvPr>
+        </p:nvCxnSpPr>
+        <p:spPr>
+          <a:xfrm>
+            <a:off x="0" y="6128413"/>
+            <a:ext cx="12192000" cy="0"/>
+          </a:xfrm>
+          <a:prstGeom prst="line">
+            <a:avLst/>
+          </a:prstGeom>
+          <a:ln w="12700">
+            <a:solidFill>
+              <a:srgbClr val="000001">
+                <a:alpha val="20000"/>
+              </a:srgbClr>
+            </a:solidFill>
+          </a:ln>
+        </p:spPr>
+        <p:style>
+          <a:lnRef idx="1">
+            <a:schemeClr val="accent1"/>
+          </a:lnRef>
+          <a:fillRef idx="0">
+            <a:schemeClr val="accent1"/>
+          </a:fillRef>
+          <a:effectRef idx="0">
+            <a:schemeClr val="accent1"/>
+          </a:effectRef>
+          <a:fontRef idx="minor">
+            <a:schemeClr val="tx1"/>
+          </a:fontRef>
+        </p:style>
+      </p:cxnSp>
+      <p:sp useBgFill="1">
+        <p:nvSpPr>
+          <p:cNvPr id="3085" name="Rectangle 3084">
+            <a:extLst>
+              <a:ext uri="{FF2B5EF4-FFF2-40B4-BE49-F238E27FC236}">
+                <a16:creationId xmlns:a16="http://schemas.microsoft.com/office/drawing/2014/main" id="{F1176DA6-4BBF-42A4-9C94-E6613CCD6B37}"/>
+              </a:ext>
+              <a:ext uri="{C183D7F6-B498-43B3-948B-1728B52AA6E4}">
+                <adec:decorative xmlns:adec="http://schemas.microsoft.com/office/drawing/2017/decorative" val="1"/>
+              </a:ext>
+            </a:extLst>
+          </p:cNvPr>
+          <p:cNvSpPr>
+            <a:spLocks noGrp="1" noRot="1" noChangeAspect="1" noMove="1" noResize="1" noEditPoints="1" noAdjustHandles="1" noChangeArrowheads="1" noChangeShapeType="1" noTextEdit="1"/>
+          </p:cNvSpPr>
+          <p:nvPr>
+            <p:extLst>
+              <p:ext uri="{386F3935-93C4-4BCD-93E2-E3B085C9AB24}">
+                <p16:designElem xmlns:p16="http://schemas.microsoft.com/office/powerpoint/2015/main" val="1"/>
+              </p:ext>
+            </p:extLst>
+          </p:nvPr>
+        </p:nvSpPr>
+        <p:spPr>
+          <a:xfrm>
+            <a:off x="0" y="0"/>
+            <a:ext cx="12192000" cy="6858000"/>
+          </a:xfrm>
+          <a:prstGeom prst="rect">
+            <a:avLst/>
+          </a:prstGeom>
+          <a:ln>
+            <a:noFill/>
+          </a:ln>
+        </p:spPr>
+        <p:style>
+          <a:lnRef idx="2">
+            <a:schemeClr val="accent1">
+              <a:shade val="50000"/>
+            </a:schemeClr>
+          </a:lnRef>
+          <a:fillRef idx="1">
+            <a:schemeClr val="accent1"/>
+          </a:fillRef>
+          <a:effectRef idx="0">
+            <a:schemeClr val="accent1"/>
+          </a:effectRef>
+          <a:fontRef idx="minor">
+            <a:schemeClr val="lt1"/>
+          </a:fontRef>
+        </p:style>
+        <p:txBody>
+          <a:bodyPr rtlCol="0" anchor="ctr"/>
+          <a:lstStyle/>
+          <a:p>
+            <a:pPr algn="ctr"/>
+            <a:endParaRPr lang="en-US"/>
+          </a:p>
+        </p:txBody>
+      </p:sp>
+      <p:sp>
+        <p:nvSpPr>
+          <p:cNvPr id="3087" name="Rectangle 3086">
+            <a:extLst>
+              <a:ext uri="{FF2B5EF4-FFF2-40B4-BE49-F238E27FC236}">
+                <a16:creationId xmlns:a16="http://schemas.microsoft.com/office/drawing/2014/main" id="{99AAB0AE-172B-4FB4-80C2-86CD6B824220}"/>
+              </a:ext>
+              <a:ext uri="{C183D7F6-B498-43B3-948B-1728B52AA6E4}">
+                <adec:decorative xmlns:adec="http://schemas.microsoft.com/office/drawing/2017/decorative" val="1"/>
+              </a:ext>
+            </a:extLst>
+          </p:cNvPr>
+          <p:cNvSpPr>
+            <a:spLocks noGrp="1" noRot="1" noChangeAspect="1" noMove="1" noResize="1" noEditPoints="1" noAdjustHandles="1" noChangeArrowheads="1" noChangeShapeType="1" noTextEdit="1"/>
+          </p:cNvSpPr>
+          <p:nvPr>
+            <p:extLst>
+              <p:ext uri="{386F3935-93C4-4BCD-93E2-E3B085C9AB24}">
+                <p16:designElem xmlns:p16="http://schemas.microsoft.com/office/powerpoint/2015/main" val="1"/>
+              </p:ext>
+            </p:extLst>
+          </p:nvPr>
+        </p:nvSpPr>
+        <p:spPr>
+          <a:xfrm>
+            <a:off x="477012" y="480060"/>
+            <a:ext cx="11237976" cy="5897880"/>
+          </a:xfrm>
+          <a:prstGeom prst="rect">
+            <a:avLst/>
+          </a:prstGeom>
+          <a:solidFill>
+            <a:schemeClr val="bg1"/>
+          </a:solidFill>
+          <a:ln w="22225">
+            <a:solidFill>
+              <a:srgbClr val="F51305"/>
+            </a:solidFill>
+          </a:ln>
+        </p:spPr>
+        <p:style>
+          <a:lnRef idx="2">
+            <a:schemeClr val="accent1">
+              <a:shade val="50000"/>
+            </a:schemeClr>
+          </a:lnRef>
+          <a:fillRef idx="1">
+            <a:schemeClr val="accent1"/>
+          </a:fillRef>
+          <a:effectRef idx="0">
+            <a:schemeClr val="accent1"/>
+          </a:effectRef>
+          <a:fontRef idx="minor">
+            <a:schemeClr val="lt1"/>
+          </a:fontRef>
+        </p:style>
+        <p:txBody>
+          <a:bodyPr rtlCol="0" anchor="ctr"/>
+          <a:lstStyle/>
+          <a:p>
+            <a:pPr algn="ctr"/>
+            <a:endParaRPr lang="en-US"/>
+          </a:p>
+        </p:txBody>
+      </p:sp>
+      <p:pic>
+        <p:nvPicPr>
+          <p:cNvPr id="3074" name="Picture 2" descr="Understanding Object-Oriented Programming concepts | by Moises Gamio |  Science x Engineering">
+            <a:extLst>
+              <a:ext uri="{FF2B5EF4-FFF2-40B4-BE49-F238E27FC236}">
+                <a16:creationId xmlns:a16="http://schemas.microsoft.com/office/drawing/2014/main" id="{DE78704A-2631-4F83-8FDA-775938F04782}"/>
+              </a:ext>
+            </a:extLst>
+          </p:cNvPr>
+          <p:cNvPicPr>
+            <a:picLocks noGrp="1" noChangeAspect="1" noChangeArrowheads="1"/>
+          </p:cNvPicPr>
+          <p:nvPr>
+            <p:ph idx="1"/>
+          </p:nvPr>
         </p:nvPicPr>
         <p:blipFill>
-          <a:blip r:embed="rId2"/>
+          <a:blip r:embed="rId3">
+            <a:extLst>
+              <a:ext uri="{28A0092B-C50C-407E-A947-70E740481C1C}">
+                <a14:useLocalDpi xmlns:a14="http://schemas.microsoft.com/office/drawing/2010/main" val="0"/>
+              </a:ext>
+            </a:extLst>
+          </a:blip>
           <a:stretch>
             <a:fillRect/>
           </a:stretch>
         </p:blipFill>
-        <p:spPr>
-          <a:xfrm>
-            <a:off x="7859866" y="3984932"/>
-            <a:ext cx="4102100" cy="2565400"/>
+        <p:spPr bwMode="auto">
+          <a:xfrm>
+            <a:off x="790223" y="643467"/>
+            <a:ext cx="10611554" cy="5571066"/>
           </a:xfrm>
           <a:prstGeom prst="rect">
             <a:avLst/>
           </a:prstGeom>
+          <a:noFill/>
+          <a:extLst>
+            <a:ext uri="{909E8E84-426E-40DD-AFC4-6F175D3DCCD1}">
+              <a14:hiddenFill xmlns:a14="http://schemas.microsoft.com/office/drawing/2010/main">
+                <a:solidFill>
+                  <a:srgbClr val="FFFFFF"/>
+                </a:solidFill>
+              </a14:hiddenFill>
+            </a:ext>
+          </a:extLst>
         </p:spPr>
       </p:pic>
     </p:spTree>
     <p:extLst>
       <p:ext uri="{BB962C8B-B14F-4D97-AF65-F5344CB8AC3E}">
-        <p14:creationId xmlns:p14="http://schemas.microsoft.com/office/powerpoint/2010/main" val="4277082105"/>
+        <p14:creationId xmlns:p14="http://schemas.microsoft.com/office/powerpoint/2010/main" val="3575626488"/>
       </p:ext>
     </p:extLst>
   </p:cSld>
